--- a/ppt/project status 1.pptx
+++ b/ppt/project status 1.pptx
@@ -4,24 +4,35 @@
   <p:sldMasterIdLst>
     <p:sldMasterId id="2147483648" r:id="rId1"/>
   </p:sldMasterIdLst>
+  <p:notesMasterIdLst>
+    <p:notesMasterId r:id="rId27"/>
+  </p:notesMasterIdLst>
   <p:sldIdLst>
     <p:sldId id="256" r:id="rId2"/>
     <p:sldId id="257" r:id="rId3"/>
     <p:sldId id="258" r:id="rId4"/>
-    <p:sldId id="259" r:id="rId5"/>
+    <p:sldId id="276" r:id="rId5"/>
     <p:sldId id="260" r:id="rId6"/>
-    <p:sldId id="269" r:id="rId7"/>
-    <p:sldId id="261" r:id="rId8"/>
-    <p:sldId id="271" r:id="rId9"/>
-    <p:sldId id="270" r:id="rId10"/>
-    <p:sldId id="272" r:id="rId11"/>
-    <p:sldId id="262" r:id="rId12"/>
-    <p:sldId id="263" r:id="rId13"/>
-    <p:sldId id="264" r:id="rId14"/>
-    <p:sldId id="265" r:id="rId15"/>
-    <p:sldId id="273" r:id="rId16"/>
-    <p:sldId id="274" r:id="rId17"/>
-    <p:sldId id="266" r:id="rId18"/>
+    <p:sldId id="259" r:id="rId7"/>
+    <p:sldId id="269" r:id="rId8"/>
+    <p:sldId id="278" r:id="rId9"/>
+    <p:sldId id="261" r:id="rId10"/>
+    <p:sldId id="271" r:id="rId11"/>
+    <p:sldId id="270" r:id="rId12"/>
+    <p:sldId id="272" r:id="rId13"/>
+    <p:sldId id="262" r:id="rId14"/>
+    <p:sldId id="263" r:id="rId15"/>
+    <p:sldId id="264" r:id="rId16"/>
+    <p:sldId id="275" r:id="rId17"/>
+    <p:sldId id="283" r:id="rId18"/>
+    <p:sldId id="277" r:id="rId19"/>
+    <p:sldId id="279" r:id="rId20"/>
+    <p:sldId id="280" r:id="rId21"/>
+    <p:sldId id="281" r:id="rId22"/>
+    <p:sldId id="284" r:id="rId23"/>
+    <p:sldId id="265" r:id="rId24"/>
+    <p:sldId id="273" r:id="rId25"/>
+    <p:sldId id="274" r:id="rId26"/>
   </p:sldIdLst>
   <p:sldSz cx="12192000" cy="6858000"/>
   <p:notesSz cx="6858000" cy="9144000"/>
@@ -120,7 +131,446 @@
       </a:defRPr>
     </a:lvl9pPr>
   </p:defaultTextStyle>
+  <p:extLst>
+    <p:ext uri="{EFAFB233-063F-42B5-8137-9DF3F51BA10A}">
+      <p15:sldGuideLst xmlns:p15="http://schemas.microsoft.com/office/powerpoint/2012/main"/>
+    </p:ext>
+  </p:extLst>
 </p:presentation>
+</file>
+
+<file path=ppt/notesMasters/notesMaster1.xml><?xml version="1.0" encoding="utf-8"?>
+<p:notesMaster xmlns:a="http://schemas.openxmlformats.org/drawingml/2006/main" xmlns:r="http://schemas.openxmlformats.org/officeDocument/2006/relationships" xmlns:p="http://schemas.openxmlformats.org/presentationml/2006/main">
+  <p:cSld>
+    <p:bg>
+      <p:bgRef idx="1001">
+        <a:schemeClr val="bg1"/>
+      </p:bgRef>
+    </p:bg>
+    <p:spTree>
+      <p:nvGrpSpPr>
+        <p:cNvPr id="1" name=""/>
+        <p:cNvGrpSpPr/>
+        <p:nvPr/>
+      </p:nvGrpSpPr>
+      <p:grpSpPr>
+        <a:xfrm>
+          <a:off x="0" y="0"/>
+          <a:ext cx="0" cy="0"/>
+          <a:chOff x="0" y="0"/>
+          <a:chExt cx="0" cy="0"/>
+        </a:xfrm>
+      </p:grpSpPr>
+      <p:sp>
+        <p:nvSpPr>
+          <p:cNvPr id="2" name="Header Placeholder 1"/>
+          <p:cNvSpPr>
+            <a:spLocks noGrp="1"/>
+          </p:cNvSpPr>
+          <p:nvPr>
+            <p:ph type="hdr" sz="quarter"/>
+          </p:nvPr>
+        </p:nvSpPr>
+        <p:spPr>
+          <a:xfrm>
+            <a:off x="0" y="0"/>
+            <a:ext cx="2971800" cy="458788"/>
+          </a:xfrm>
+          <a:prstGeom prst="rect">
+            <a:avLst/>
+          </a:prstGeom>
+        </p:spPr>
+        <p:txBody>
+          <a:bodyPr vert="horz" lIns="91440" tIns="45720" rIns="91440" bIns="45720" rtlCol="0"/>
+          <a:lstStyle>
+            <a:lvl1pPr algn="l">
+              <a:defRPr sz="1200"/>
+            </a:lvl1pPr>
+          </a:lstStyle>
+          <a:p>
+            <a:endParaRPr lang="en-IN"/>
+          </a:p>
+        </p:txBody>
+      </p:sp>
+      <p:sp>
+        <p:nvSpPr>
+          <p:cNvPr id="3" name="Date Placeholder 2"/>
+          <p:cNvSpPr>
+            <a:spLocks noGrp="1"/>
+          </p:cNvSpPr>
+          <p:nvPr>
+            <p:ph type="dt" idx="1"/>
+          </p:nvPr>
+        </p:nvSpPr>
+        <p:spPr>
+          <a:xfrm>
+            <a:off x="3884613" y="0"/>
+            <a:ext cx="2971800" cy="458788"/>
+          </a:xfrm>
+          <a:prstGeom prst="rect">
+            <a:avLst/>
+          </a:prstGeom>
+        </p:spPr>
+        <p:txBody>
+          <a:bodyPr vert="horz" lIns="91440" tIns="45720" rIns="91440" bIns="45720" rtlCol="0"/>
+          <a:lstStyle>
+            <a:lvl1pPr algn="r">
+              <a:defRPr sz="1200"/>
+            </a:lvl1pPr>
+          </a:lstStyle>
+          <a:p>
+            <a:fld id="{9844397E-C6D6-4843-AD37-D2D5719CE53E}" type="datetimeFigureOut">
+              <a:rPr lang="en-IN" smtClean="0"/>
+              <a:t>28-11-2024</a:t>
+            </a:fld>
+            <a:endParaRPr lang="en-IN"/>
+          </a:p>
+        </p:txBody>
+      </p:sp>
+      <p:sp>
+        <p:nvSpPr>
+          <p:cNvPr id="4" name="Slide Image Placeholder 3"/>
+          <p:cNvSpPr>
+            <a:spLocks noGrp="1" noRot="1" noChangeAspect="1"/>
+          </p:cNvSpPr>
+          <p:nvPr>
+            <p:ph type="sldImg" idx="2"/>
+          </p:nvPr>
+        </p:nvSpPr>
+        <p:spPr>
+          <a:xfrm>
+            <a:off x="685800" y="1143000"/>
+            <a:ext cx="5486400" cy="3086100"/>
+          </a:xfrm>
+          <a:prstGeom prst="rect">
+            <a:avLst/>
+          </a:prstGeom>
+          <a:noFill/>
+          <a:ln w="12700">
+            <a:solidFill>
+              <a:prstClr val="black"/>
+            </a:solidFill>
+          </a:ln>
+        </p:spPr>
+        <p:txBody>
+          <a:bodyPr vert="horz" lIns="91440" tIns="45720" rIns="91440" bIns="45720" rtlCol="0" anchor="ctr"/>
+          <a:lstStyle/>
+          <a:p>
+            <a:endParaRPr lang="en-IN"/>
+          </a:p>
+        </p:txBody>
+      </p:sp>
+      <p:sp>
+        <p:nvSpPr>
+          <p:cNvPr id="5" name="Notes Placeholder 4"/>
+          <p:cNvSpPr>
+            <a:spLocks noGrp="1"/>
+          </p:cNvSpPr>
+          <p:nvPr>
+            <p:ph type="body" sz="quarter" idx="3"/>
+          </p:nvPr>
+        </p:nvSpPr>
+        <p:spPr>
+          <a:xfrm>
+            <a:off x="685800" y="4400550"/>
+            <a:ext cx="5486400" cy="3600450"/>
+          </a:xfrm>
+          <a:prstGeom prst="rect">
+            <a:avLst/>
+          </a:prstGeom>
+        </p:spPr>
+        <p:txBody>
+          <a:bodyPr vert="horz" lIns="91440" tIns="45720" rIns="91440" bIns="45720" rtlCol="0"/>
+          <a:lstStyle/>
+          <a:p>
+            <a:pPr lvl="0"/>
+            <a:r>
+              <a:rPr lang="en-US"/>
+              <a:t>Click to edit Master text styles</a:t>
+            </a:r>
+          </a:p>
+          <a:p>
+            <a:pPr lvl="1"/>
+            <a:r>
+              <a:rPr lang="en-US"/>
+              <a:t>Second level</a:t>
+            </a:r>
+          </a:p>
+          <a:p>
+            <a:pPr lvl="2"/>
+            <a:r>
+              <a:rPr lang="en-US"/>
+              <a:t>Third level</a:t>
+            </a:r>
+          </a:p>
+          <a:p>
+            <a:pPr lvl="3"/>
+            <a:r>
+              <a:rPr lang="en-US"/>
+              <a:t>Fourth level</a:t>
+            </a:r>
+          </a:p>
+          <a:p>
+            <a:pPr lvl="4"/>
+            <a:r>
+              <a:rPr lang="en-US"/>
+              <a:t>Fifth level</a:t>
+            </a:r>
+            <a:endParaRPr lang="en-IN"/>
+          </a:p>
+        </p:txBody>
+      </p:sp>
+      <p:sp>
+        <p:nvSpPr>
+          <p:cNvPr id="6" name="Footer Placeholder 5"/>
+          <p:cNvSpPr>
+            <a:spLocks noGrp="1"/>
+          </p:cNvSpPr>
+          <p:nvPr>
+            <p:ph type="ftr" sz="quarter" idx="4"/>
+          </p:nvPr>
+        </p:nvSpPr>
+        <p:spPr>
+          <a:xfrm>
+            <a:off x="0" y="8685213"/>
+            <a:ext cx="2971800" cy="458787"/>
+          </a:xfrm>
+          <a:prstGeom prst="rect">
+            <a:avLst/>
+          </a:prstGeom>
+        </p:spPr>
+        <p:txBody>
+          <a:bodyPr vert="horz" lIns="91440" tIns="45720" rIns="91440" bIns="45720" rtlCol="0" anchor="b"/>
+          <a:lstStyle>
+            <a:lvl1pPr algn="l">
+              <a:defRPr sz="1200"/>
+            </a:lvl1pPr>
+          </a:lstStyle>
+          <a:p>
+            <a:endParaRPr lang="en-IN"/>
+          </a:p>
+        </p:txBody>
+      </p:sp>
+      <p:sp>
+        <p:nvSpPr>
+          <p:cNvPr id="7" name="Slide Number Placeholder 6"/>
+          <p:cNvSpPr>
+            <a:spLocks noGrp="1"/>
+          </p:cNvSpPr>
+          <p:nvPr>
+            <p:ph type="sldNum" sz="quarter" idx="5"/>
+          </p:nvPr>
+        </p:nvSpPr>
+        <p:spPr>
+          <a:xfrm>
+            <a:off x="3884613" y="8685213"/>
+            <a:ext cx="2971800" cy="458787"/>
+          </a:xfrm>
+          <a:prstGeom prst="rect">
+            <a:avLst/>
+          </a:prstGeom>
+        </p:spPr>
+        <p:txBody>
+          <a:bodyPr vert="horz" lIns="91440" tIns="45720" rIns="91440" bIns="45720" rtlCol="0" anchor="b"/>
+          <a:lstStyle>
+            <a:lvl1pPr algn="r">
+              <a:defRPr sz="1200"/>
+            </a:lvl1pPr>
+          </a:lstStyle>
+          <a:p>
+            <a:fld id="{9975D06A-0705-4EA3-BD1D-92372F8F88B9}" type="slidenum">
+              <a:rPr lang="en-IN" smtClean="0"/>
+              <a:t>‹#›</a:t>
+            </a:fld>
+            <a:endParaRPr lang="en-IN"/>
+          </a:p>
+        </p:txBody>
+      </p:sp>
+    </p:spTree>
+    <p:extLst>
+      <p:ext uri="{BB962C8B-B14F-4D97-AF65-F5344CB8AC3E}">
+        <p14:creationId xmlns:p14="http://schemas.microsoft.com/office/powerpoint/2010/main" val="2278307709"/>
+      </p:ext>
+    </p:extLst>
+  </p:cSld>
+  <p:clrMap bg1="lt1" tx1="dk1" bg2="lt2" tx2="dk2" accent1="accent1" accent2="accent2" accent3="accent3" accent4="accent4" accent5="accent5" accent6="accent6" hlink="hlink" folHlink="folHlink"/>
+  <p:notesStyle>
+    <a:lvl1pPr marL="0" algn="l" defTabSz="914400" rtl="0" eaLnBrk="1" latinLnBrk="0" hangingPunct="1">
+      <a:defRPr sz="1200" kern="1200">
+        <a:solidFill>
+          <a:schemeClr val="tx1"/>
+        </a:solidFill>
+        <a:latin typeface="+mn-lt"/>
+        <a:ea typeface="+mn-ea"/>
+        <a:cs typeface="+mn-cs"/>
+      </a:defRPr>
+    </a:lvl1pPr>
+    <a:lvl2pPr marL="457200" algn="l" defTabSz="914400" rtl="0" eaLnBrk="1" latinLnBrk="0" hangingPunct="1">
+      <a:defRPr sz="1200" kern="1200">
+        <a:solidFill>
+          <a:schemeClr val="tx1"/>
+        </a:solidFill>
+        <a:latin typeface="+mn-lt"/>
+        <a:ea typeface="+mn-ea"/>
+        <a:cs typeface="+mn-cs"/>
+      </a:defRPr>
+    </a:lvl2pPr>
+    <a:lvl3pPr marL="914400" algn="l" defTabSz="914400" rtl="0" eaLnBrk="1" latinLnBrk="0" hangingPunct="1">
+      <a:defRPr sz="1200" kern="1200">
+        <a:solidFill>
+          <a:schemeClr val="tx1"/>
+        </a:solidFill>
+        <a:latin typeface="+mn-lt"/>
+        <a:ea typeface="+mn-ea"/>
+        <a:cs typeface="+mn-cs"/>
+      </a:defRPr>
+    </a:lvl3pPr>
+    <a:lvl4pPr marL="1371600" algn="l" defTabSz="914400" rtl="0" eaLnBrk="1" latinLnBrk="0" hangingPunct="1">
+      <a:defRPr sz="1200" kern="1200">
+        <a:solidFill>
+          <a:schemeClr val="tx1"/>
+        </a:solidFill>
+        <a:latin typeface="+mn-lt"/>
+        <a:ea typeface="+mn-ea"/>
+        <a:cs typeface="+mn-cs"/>
+      </a:defRPr>
+    </a:lvl4pPr>
+    <a:lvl5pPr marL="1828800" algn="l" defTabSz="914400" rtl="0" eaLnBrk="1" latinLnBrk="0" hangingPunct="1">
+      <a:defRPr sz="1200" kern="1200">
+        <a:solidFill>
+          <a:schemeClr val="tx1"/>
+        </a:solidFill>
+        <a:latin typeface="+mn-lt"/>
+        <a:ea typeface="+mn-ea"/>
+        <a:cs typeface="+mn-cs"/>
+      </a:defRPr>
+    </a:lvl5pPr>
+    <a:lvl6pPr marL="2286000" algn="l" defTabSz="914400" rtl="0" eaLnBrk="1" latinLnBrk="0" hangingPunct="1">
+      <a:defRPr sz="1200" kern="1200">
+        <a:solidFill>
+          <a:schemeClr val="tx1"/>
+        </a:solidFill>
+        <a:latin typeface="+mn-lt"/>
+        <a:ea typeface="+mn-ea"/>
+        <a:cs typeface="+mn-cs"/>
+      </a:defRPr>
+    </a:lvl6pPr>
+    <a:lvl7pPr marL="2743200" algn="l" defTabSz="914400" rtl="0" eaLnBrk="1" latinLnBrk="0" hangingPunct="1">
+      <a:defRPr sz="1200" kern="1200">
+        <a:solidFill>
+          <a:schemeClr val="tx1"/>
+        </a:solidFill>
+        <a:latin typeface="+mn-lt"/>
+        <a:ea typeface="+mn-ea"/>
+        <a:cs typeface="+mn-cs"/>
+      </a:defRPr>
+    </a:lvl7pPr>
+    <a:lvl8pPr marL="3200400" algn="l" defTabSz="914400" rtl="0" eaLnBrk="1" latinLnBrk="0" hangingPunct="1">
+      <a:defRPr sz="1200" kern="1200">
+        <a:solidFill>
+          <a:schemeClr val="tx1"/>
+        </a:solidFill>
+        <a:latin typeface="+mn-lt"/>
+        <a:ea typeface="+mn-ea"/>
+        <a:cs typeface="+mn-cs"/>
+      </a:defRPr>
+    </a:lvl8pPr>
+    <a:lvl9pPr marL="3657600" algn="l" defTabSz="914400" rtl="0" eaLnBrk="1" latinLnBrk="0" hangingPunct="1">
+      <a:defRPr sz="1200" kern="1200">
+        <a:solidFill>
+          <a:schemeClr val="tx1"/>
+        </a:solidFill>
+        <a:latin typeface="+mn-lt"/>
+        <a:ea typeface="+mn-ea"/>
+        <a:cs typeface="+mn-cs"/>
+      </a:defRPr>
+    </a:lvl9pPr>
+  </p:notesStyle>
+</p:notesMaster>
+</file>
+
+<file path=ppt/notesSlides/notesSlide1.xml><?xml version="1.0" encoding="utf-8"?>
+<p:notes xmlns:a="http://schemas.openxmlformats.org/drawingml/2006/main" xmlns:r="http://schemas.openxmlformats.org/officeDocument/2006/relationships" xmlns:p="http://schemas.openxmlformats.org/presentationml/2006/main">
+  <p:cSld>
+    <p:spTree>
+      <p:nvGrpSpPr>
+        <p:cNvPr id="1" name=""/>
+        <p:cNvGrpSpPr/>
+        <p:nvPr/>
+      </p:nvGrpSpPr>
+      <p:grpSpPr>
+        <a:xfrm>
+          <a:off x="0" y="0"/>
+          <a:ext cx="0" cy="0"/>
+          <a:chOff x="0" y="0"/>
+          <a:chExt cx="0" cy="0"/>
+        </a:xfrm>
+      </p:grpSpPr>
+      <p:sp>
+        <p:nvSpPr>
+          <p:cNvPr id="2" name="Slide Image Placeholder 1"/>
+          <p:cNvSpPr>
+            <a:spLocks noGrp="1" noRot="1" noChangeAspect="1"/>
+          </p:cNvSpPr>
+          <p:nvPr>
+            <p:ph type="sldImg"/>
+          </p:nvPr>
+        </p:nvSpPr>
+        <p:spPr/>
+      </p:sp>
+      <p:sp>
+        <p:nvSpPr>
+          <p:cNvPr id="3" name="Notes Placeholder 2"/>
+          <p:cNvSpPr>
+            <a:spLocks noGrp="1"/>
+          </p:cNvSpPr>
+          <p:nvPr>
+            <p:ph type="body" idx="1"/>
+          </p:nvPr>
+        </p:nvSpPr>
+        <p:spPr/>
+        <p:txBody>
+          <a:bodyPr/>
+          <a:lstStyle/>
+          <a:p>
+            <a:endParaRPr lang="en-IN" dirty="0"/>
+          </a:p>
+        </p:txBody>
+      </p:sp>
+      <p:sp>
+        <p:nvSpPr>
+          <p:cNvPr id="4" name="Slide Number Placeholder 3"/>
+          <p:cNvSpPr>
+            <a:spLocks noGrp="1"/>
+          </p:cNvSpPr>
+          <p:nvPr>
+            <p:ph type="sldNum" sz="quarter" idx="5"/>
+          </p:nvPr>
+        </p:nvSpPr>
+        <p:spPr/>
+        <p:txBody>
+          <a:bodyPr/>
+          <a:lstStyle/>
+          <a:p>
+            <a:fld id="{9975D06A-0705-4EA3-BD1D-92372F8F88B9}" type="slidenum">
+              <a:rPr lang="en-IN" smtClean="0"/>
+              <a:t>6</a:t>
+            </a:fld>
+            <a:endParaRPr lang="en-IN"/>
+          </a:p>
+        </p:txBody>
+      </p:sp>
+    </p:spTree>
+    <p:extLst>
+      <p:ext uri="{BB962C8B-B14F-4D97-AF65-F5344CB8AC3E}">
+        <p14:creationId xmlns:p14="http://schemas.microsoft.com/office/powerpoint/2010/main" val="681999012"/>
+      </p:ext>
+    </p:extLst>
+  </p:cSld>
+  <p:clrMapOvr>
+    <a:masterClrMapping/>
+  </p:clrMapOvr>
+</p:notes>
 </file>
 
 <file path=ppt/slideLayouts/slideLayout1.xml><?xml version="1.0" encoding="utf-8"?>
@@ -272,7 +722,7 @@
           <a:p>
             <a:fld id="{EB98D07D-2589-4DFA-9A22-11916D9C2B9A}" type="datetimeFigureOut">
               <a:rPr lang="en-IN" smtClean="0"/>
-              <a:t>08-11-2024</a:t>
+              <a:t>28-11-2024</a:t>
             </a:fld>
             <a:endParaRPr lang="en-IN"/>
           </a:p>
@@ -472,7 +922,7 @@
           <a:p>
             <a:fld id="{EB98D07D-2589-4DFA-9A22-11916D9C2B9A}" type="datetimeFigureOut">
               <a:rPr lang="en-IN" smtClean="0"/>
-              <a:t>08-11-2024</a:t>
+              <a:t>28-11-2024</a:t>
             </a:fld>
             <a:endParaRPr lang="en-IN"/>
           </a:p>
@@ -682,7 +1132,7 @@
           <a:p>
             <a:fld id="{EB98D07D-2589-4DFA-9A22-11916D9C2B9A}" type="datetimeFigureOut">
               <a:rPr lang="en-IN" smtClean="0"/>
-              <a:t>08-11-2024</a:t>
+              <a:t>28-11-2024</a:t>
             </a:fld>
             <a:endParaRPr lang="en-IN"/>
           </a:p>
@@ -882,7 +1332,7 @@
           <a:p>
             <a:fld id="{EB98D07D-2589-4DFA-9A22-11916D9C2B9A}" type="datetimeFigureOut">
               <a:rPr lang="en-IN" smtClean="0"/>
-              <a:t>08-11-2024</a:t>
+              <a:t>28-11-2024</a:t>
             </a:fld>
             <a:endParaRPr lang="en-IN"/>
           </a:p>
@@ -1082,7 +1532,7 @@
           <a:p>
             <a:fld id="{EB98D07D-2589-4DFA-9A22-11916D9C2B9A}" type="datetimeFigureOut">
               <a:rPr lang="en-IN" smtClean="0"/>
-              <a:t>08-11-2024</a:t>
+              <a:t>28-11-2024</a:t>
             </a:fld>
             <a:endParaRPr lang="en-IN"/>
           </a:p>
@@ -1358,7 +1808,7 @@
           <a:p>
             <a:fld id="{EB98D07D-2589-4DFA-9A22-11916D9C2B9A}" type="datetimeFigureOut">
               <a:rPr lang="en-IN" smtClean="0"/>
-              <a:t>08-11-2024</a:t>
+              <a:t>28-11-2024</a:t>
             </a:fld>
             <a:endParaRPr lang="en-IN"/>
           </a:p>
@@ -1626,7 +2076,7 @@
           <a:p>
             <a:fld id="{EB98D07D-2589-4DFA-9A22-11916D9C2B9A}" type="datetimeFigureOut">
               <a:rPr lang="en-IN" smtClean="0"/>
-              <a:t>08-11-2024</a:t>
+              <a:t>28-11-2024</a:t>
             </a:fld>
             <a:endParaRPr lang="en-IN"/>
           </a:p>
@@ -2041,7 +2491,7 @@
           <a:p>
             <a:fld id="{EB98D07D-2589-4DFA-9A22-11916D9C2B9A}" type="datetimeFigureOut">
               <a:rPr lang="en-IN" smtClean="0"/>
-              <a:t>08-11-2024</a:t>
+              <a:t>28-11-2024</a:t>
             </a:fld>
             <a:endParaRPr lang="en-IN"/>
           </a:p>
@@ -2183,7 +2633,7 @@
           <a:p>
             <a:fld id="{EB98D07D-2589-4DFA-9A22-11916D9C2B9A}" type="datetimeFigureOut">
               <a:rPr lang="en-IN" smtClean="0"/>
-              <a:t>08-11-2024</a:t>
+              <a:t>28-11-2024</a:t>
             </a:fld>
             <a:endParaRPr lang="en-IN"/>
           </a:p>
@@ -2296,7 +2746,7 @@
           <a:p>
             <a:fld id="{EB98D07D-2589-4DFA-9A22-11916D9C2B9A}" type="datetimeFigureOut">
               <a:rPr lang="en-IN" smtClean="0"/>
-              <a:t>08-11-2024</a:t>
+              <a:t>28-11-2024</a:t>
             </a:fld>
             <a:endParaRPr lang="en-IN"/>
           </a:p>
@@ -2609,7 +3059,7 @@
           <a:p>
             <a:fld id="{EB98D07D-2589-4DFA-9A22-11916D9C2B9A}" type="datetimeFigureOut">
               <a:rPr lang="en-IN" smtClean="0"/>
-              <a:t>08-11-2024</a:t>
+              <a:t>28-11-2024</a:t>
             </a:fld>
             <a:endParaRPr lang="en-IN"/>
           </a:p>
@@ -2902,7 +3352,7 @@
           <a:p>
             <a:fld id="{EB98D07D-2589-4DFA-9A22-11916D9C2B9A}" type="datetimeFigureOut">
               <a:rPr lang="en-IN" smtClean="0"/>
-              <a:t>08-11-2024</a:t>
+              <a:t>28-11-2024</a:t>
             </a:fld>
             <a:endParaRPr lang="en-IN"/>
           </a:p>
@@ -3145,7 +3595,7 @@
           <a:p>
             <a:fld id="{EB98D07D-2589-4DFA-9A22-11916D9C2B9A}" type="datetimeFigureOut">
               <a:rPr lang="en-IN" smtClean="0"/>
-              <a:t>08-11-2024</a:t>
+              <a:t>28-11-2024</a:t>
             </a:fld>
             <a:endParaRPr lang="en-IN"/>
           </a:p>
@@ -3622,6 +4072,242 @@
         <p:cNvPr id="1" name="">
           <a:extLst>
             <a:ext uri="{FF2B5EF4-FFF2-40B4-BE49-F238E27FC236}">
+              <a16:creationId xmlns:a16="http://schemas.microsoft.com/office/drawing/2014/main" id="{64E4630A-E23A-BC37-6377-27F0ADF6E044}"/>
+            </a:ext>
+          </a:extLst>
+        </p:cNvPr>
+        <p:cNvGrpSpPr/>
+        <p:nvPr/>
+      </p:nvGrpSpPr>
+      <p:grpSpPr>
+        <a:xfrm>
+          <a:off x="0" y="0"/>
+          <a:ext cx="0" cy="0"/>
+          <a:chOff x="0" y="0"/>
+          <a:chExt cx="0" cy="0"/>
+        </a:xfrm>
+      </p:grpSpPr>
+      <p:sp>
+        <p:nvSpPr>
+          <p:cNvPr id="6" name="Rectangle 5">
+            <a:extLst>
+              <a:ext uri="{FF2B5EF4-FFF2-40B4-BE49-F238E27FC236}">
+                <a16:creationId xmlns:a16="http://schemas.microsoft.com/office/drawing/2014/main" id="{91EACE7B-733B-D8E9-78F1-6F00F251E4A2}"/>
+              </a:ext>
+            </a:extLst>
+          </p:cNvPr>
+          <p:cNvSpPr/>
+          <p:nvPr/>
+        </p:nvSpPr>
+        <p:spPr>
+          <a:xfrm>
+            <a:off x="0" y="0"/>
+            <a:ext cx="12192000" cy="6858000"/>
+          </a:xfrm>
+          <a:prstGeom prst="rect">
+            <a:avLst/>
+          </a:prstGeom>
+          <a:solidFill>
+            <a:srgbClr val="F8F8F8"/>
+          </a:solidFill>
+          <a:ln>
+            <a:noFill/>
+          </a:ln>
+        </p:spPr>
+        <p:style>
+          <a:lnRef idx="2">
+            <a:schemeClr val="accent1">
+              <a:shade val="15000"/>
+            </a:schemeClr>
+          </a:lnRef>
+          <a:fillRef idx="1">
+            <a:schemeClr val="accent1"/>
+          </a:fillRef>
+          <a:effectRef idx="0">
+            <a:schemeClr val="accent1"/>
+          </a:effectRef>
+          <a:fontRef idx="minor">
+            <a:schemeClr val="lt1"/>
+          </a:fontRef>
+        </p:style>
+        <p:txBody>
+          <a:bodyPr rtlCol="0" anchor="ctr"/>
+          <a:lstStyle/>
+          <a:p>
+            <a:pPr algn="ctr"/>
+            <a:endParaRPr lang="en-IN" dirty="0"/>
+          </a:p>
+        </p:txBody>
+      </p:sp>
+      <p:pic>
+        <p:nvPicPr>
+          <p:cNvPr id="3" name="Picture 2">
+            <a:extLst>
+              <a:ext uri="{FF2B5EF4-FFF2-40B4-BE49-F238E27FC236}">
+                <a16:creationId xmlns:a16="http://schemas.microsoft.com/office/drawing/2014/main" id="{04C23F92-8DA7-7CD7-B966-17D68B3A4D45}"/>
+              </a:ext>
+            </a:extLst>
+          </p:cNvPr>
+          <p:cNvPicPr>
+            <a:picLocks noChangeAspect="1"/>
+          </p:cNvPicPr>
+          <p:nvPr/>
+        </p:nvPicPr>
+        <p:blipFill>
+          <a:blip r:embed="rId2"/>
+          <a:stretch>
+            <a:fillRect/>
+          </a:stretch>
+        </p:blipFill>
+        <p:spPr>
+          <a:xfrm>
+            <a:off x="0" y="637490"/>
+            <a:ext cx="12192000" cy="5583019"/>
+          </a:xfrm>
+          <a:prstGeom prst="rect">
+            <a:avLst/>
+          </a:prstGeom>
+        </p:spPr>
+      </p:pic>
+    </p:spTree>
+    <p:extLst>
+      <p:ext uri="{BB962C8B-B14F-4D97-AF65-F5344CB8AC3E}">
+        <p14:creationId xmlns:p14="http://schemas.microsoft.com/office/powerpoint/2010/main" val="596987200"/>
+      </p:ext>
+    </p:extLst>
+  </p:cSld>
+  <p:clrMapOvr>
+    <a:masterClrMapping/>
+  </p:clrMapOvr>
+</p:sld>
+</file>
+
+<file path=ppt/slides/slide11.xml><?xml version="1.0" encoding="utf-8"?>
+<p:sld xmlns:a="http://schemas.openxmlformats.org/drawingml/2006/main" xmlns:r="http://schemas.openxmlformats.org/officeDocument/2006/relationships" xmlns:p="http://schemas.openxmlformats.org/presentationml/2006/main">
+  <p:cSld>
+    <p:spTree>
+      <p:nvGrpSpPr>
+        <p:cNvPr id="1" name="">
+          <a:extLst>
+            <a:ext uri="{FF2B5EF4-FFF2-40B4-BE49-F238E27FC236}">
+              <a16:creationId xmlns:a16="http://schemas.microsoft.com/office/drawing/2014/main" id="{F5A90730-B8DD-7FDD-C0BE-0E45FD7868BE}"/>
+            </a:ext>
+          </a:extLst>
+        </p:cNvPr>
+        <p:cNvGrpSpPr/>
+        <p:nvPr/>
+      </p:nvGrpSpPr>
+      <p:grpSpPr>
+        <a:xfrm>
+          <a:off x="0" y="0"/>
+          <a:ext cx="0" cy="0"/>
+          <a:chOff x="0" y="0"/>
+          <a:chExt cx="0" cy="0"/>
+        </a:xfrm>
+      </p:grpSpPr>
+      <p:sp>
+        <p:nvSpPr>
+          <p:cNvPr id="6" name="Rectangle 5">
+            <a:extLst>
+              <a:ext uri="{FF2B5EF4-FFF2-40B4-BE49-F238E27FC236}">
+                <a16:creationId xmlns:a16="http://schemas.microsoft.com/office/drawing/2014/main" id="{06AF0423-39AC-8CF4-1BD0-5B2968220AE2}"/>
+              </a:ext>
+            </a:extLst>
+          </p:cNvPr>
+          <p:cNvSpPr/>
+          <p:nvPr/>
+        </p:nvSpPr>
+        <p:spPr>
+          <a:xfrm>
+            <a:off x="0" y="0"/>
+            <a:ext cx="12192000" cy="6858000"/>
+          </a:xfrm>
+          <a:prstGeom prst="rect">
+            <a:avLst/>
+          </a:prstGeom>
+          <a:solidFill>
+            <a:srgbClr val="F8F8F8"/>
+          </a:solidFill>
+          <a:ln>
+            <a:noFill/>
+          </a:ln>
+        </p:spPr>
+        <p:style>
+          <a:lnRef idx="2">
+            <a:schemeClr val="accent1">
+              <a:shade val="15000"/>
+            </a:schemeClr>
+          </a:lnRef>
+          <a:fillRef idx="1">
+            <a:schemeClr val="accent1"/>
+          </a:fillRef>
+          <a:effectRef idx="0">
+            <a:schemeClr val="accent1"/>
+          </a:effectRef>
+          <a:fontRef idx="minor">
+            <a:schemeClr val="lt1"/>
+          </a:fontRef>
+        </p:style>
+        <p:txBody>
+          <a:bodyPr rtlCol="0" anchor="ctr"/>
+          <a:lstStyle/>
+          <a:p>
+            <a:pPr algn="ctr"/>
+            <a:endParaRPr lang="en-IN"/>
+          </a:p>
+        </p:txBody>
+      </p:sp>
+      <p:pic>
+        <p:nvPicPr>
+          <p:cNvPr id="3" name="Picture 2">
+            <a:extLst>
+              <a:ext uri="{FF2B5EF4-FFF2-40B4-BE49-F238E27FC236}">
+                <a16:creationId xmlns:a16="http://schemas.microsoft.com/office/drawing/2014/main" id="{D94A8557-A078-1344-3673-10F3FF7786D4}"/>
+              </a:ext>
+            </a:extLst>
+          </p:cNvPr>
+          <p:cNvPicPr>
+            <a:picLocks noChangeAspect="1"/>
+          </p:cNvPicPr>
+          <p:nvPr/>
+        </p:nvPicPr>
+        <p:blipFill>
+          <a:blip r:embed="rId2"/>
+          <a:stretch>
+            <a:fillRect/>
+          </a:stretch>
+        </p:blipFill>
+        <p:spPr>
+          <a:xfrm>
+            <a:off x="0" y="438256"/>
+            <a:ext cx="12192000" cy="5981487"/>
+          </a:xfrm>
+          <a:prstGeom prst="rect">
+            <a:avLst/>
+          </a:prstGeom>
+        </p:spPr>
+      </p:pic>
+    </p:spTree>
+    <p:extLst>
+      <p:ext uri="{BB962C8B-B14F-4D97-AF65-F5344CB8AC3E}">
+        <p14:creationId xmlns:p14="http://schemas.microsoft.com/office/powerpoint/2010/main" val="1088274681"/>
+      </p:ext>
+    </p:extLst>
+  </p:cSld>
+  <p:clrMapOvr>
+    <a:masterClrMapping/>
+  </p:clrMapOvr>
+</p:sld>
+</file>
+
+<file path=ppt/slides/slide12.xml><?xml version="1.0" encoding="utf-8"?>
+<p:sld xmlns:a="http://schemas.openxmlformats.org/drawingml/2006/main" xmlns:r="http://schemas.openxmlformats.org/officeDocument/2006/relationships" xmlns:p="http://schemas.openxmlformats.org/presentationml/2006/main">
+  <p:cSld>
+    <p:spTree>
+      <p:nvGrpSpPr>
+        <p:cNvPr id="1" name="">
+          <a:extLst>
+            <a:ext uri="{FF2B5EF4-FFF2-40B4-BE49-F238E27FC236}">
               <a16:creationId xmlns:a16="http://schemas.microsoft.com/office/drawing/2014/main" id="{8B2D571B-D6BE-8873-B504-B2EE1D7E8379}"/>
             </a:ext>
           </a:extLst>
@@ -3732,7 +4418,7 @@
 </p:sld>
 </file>
 
-<file path=ppt/slides/slide11.xml><?xml version="1.0" encoding="utf-8"?>
+<file path=ppt/slides/slide13.xml><?xml version="1.0" encoding="utf-8"?>
 <p:sld xmlns:a="http://schemas.openxmlformats.org/drawingml/2006/main" xmlns:r="http://schemas.openxmlformats.org/officeDocument/2006/relationships" xmlns:p="http://schemas.openxmlformats.org/presentationml/2006/main">
   <p:cSld>
     <p:spTree>
@@ -3792,7 +4478,7 @@
 </p:sld>
 </file>
 
-<file path=ppt/slides/slide12.xml><?xml version="1.0" encoding="utf-8"?>
+<file path=ppt/slides/slide14.xml><?xml version="1.0" encoding="utf-8"?>
 <p:sld xmlns:a="http://schemas.openxmlformats.org/drawingml/2006/main" xmlns:r="http://schemas.openxmlformats.org/officeDocument/2006/relationships" xmlns:p="http://schemas.openxmlformats.org/presentationml/2006/main">
   <p:cSld>
     <p:spTree>
@@ -3839,6 +4525,66 @@
           </a:prstGeom>
         </p:spPr>
       </p:pic>
+      <p:pic>
+        <p:nvPicPr>
+          <p:cNvPr id="3" name="Picture 2">
+            <a:extLst>
+              <a:ext uri="{FF2B5EF4-FFF2-40B4-BE49-F238E27FC236}">
+                <a16:creationId xmlns:a16="http://schemas.microsoft.com/office/drawing/2014/main" id="{FD9CDDA7-AC6A-469E-095A-8D76EDC045CB}"/>
+              </a:ext>
+            </a:extLst>
+          </p:cNvPr>
+          <p:cNvPicPr>
+            <a:picLocks noChangeAspect="1"/>
+          </p:cNvPicPr>
+          <p:nvPr/>
+        </p:nvPicPr>
+        <p:blipFill>
+          <a:blip r:embed="rId3"/>
+          <a:stretch>
+            <a:fillRect/>
+          </a:stretch>
+        </p:blipFill>
+        <p:spPr>
+          <a:xfrm>
+            <a:off x="6476214" y="1432875"/>
+            <a:ext cx="2790334" cy="1866506"/>
+          </a:xfrm>
+          <a:prstGeom prst="rect">
+            <a:avLst/>
+          </a:prstGeom>
+        </p:spPr>
+      </p:pic>
+      <p:pic>
+        <p:nvPicPr>
+          <p:cNvPr id="6" name="Picture 5">
+            <a:extLst>
+              <a:ext uri="{FF2B5EF4-FFF2-40B4-BE49-F238E27FC236}">
+                <a16:creationId xmlns:a16="http://schemas.microsoft.com/office/drawing/2014/main" id="{D9E9EABD-BB97-62A8-8E00-FF33267E107B}"/>
+              </a:ext>
+            </a:extLst>
+          </p:cNvPr>
+          <p:cNvPicPr>
+            <a:picLocks noChangeAspect="1"/>
+          </p:cNvPicPr>
+          <p:nvPr/>
+        </p:nvPicPr>
+        <p:blipFill>
+          <a:blip r:embed="rId4"/>
+          <a:stretch>
+            <a:fillRect/>
+          </a:stretch>
+        </p:blipFill>
+        <p:spPr>
+          <a:xfrm>
+            <a:off x="2950590" y="4760536"/>
+            <a:ext cx="2837468" cy="2017336"/>
+          </a:xfrm>
+          <a:prstGeom prst="rect">
+            <a:avLst/>
+          </a:prstGeom>
+        </p:spPr>
+      </p:pic>
     </p:spTree>
     <p:extLst>
       <p:ext uri="{BB962C8B-B14F-4D97-AF65-F5344CB8AC3E}">
@@ -3852,7 +4598,7 @@
 </p:sld>
 </file>
 
-<file path=ppt/slides/slide13.xml><?xml version="1.0" encoding="utf-8"?>
+<file path=ppt/slides/slide15.xml><?xml version="1.0" encoding="utf-8"?>
 <p:sld xmlns:a="http://schemas.openxmlformats.org/drawingml/2006/main" xmlns:r="http://schemas.openxmlformats.org/officeDocument/2006/relationships" xmlns:p="http://schemas.openxmlformats.org/presentationml/2006/main">
   <p:cSld>
     <p:spTree>
@@ -3899,6 +4645,96 @@
           </a:prstGeom>
         </p:spPr>
       </p:pic>
+      <p:pic>
+        <p:nvPicPr>
+          <p:cNvPr id="3" name="Picture 2">
+            <a:extLst>
+              <a:ext uri="{FF2B5EF4-FFF2-40B4-BE49-F238E27FC236}">
+                <a16:creationId xmlns:a16="http://schemas.microsoft.com/office/drawing/2014/main" id="{7B381C94-B233-5DA9-6276-19B4C43D47D8}"/>
+              </a:ext>
+            </a:extLst>
+          </p:cNvPr>
+          <p:cNvPicPr>
+            <a:picLocks noChangeAspect="1"/>
+          </p:cNvPicPr>
+          <p:nvPr/>
+        </p:nvPicPr>
+        <p:blipFill>
+          <a:blip r:embed="rId3"/>
+          <a:stretch>
+            <a:fillRect/>
+          </a:stretch>
+        </p:blipFill>
+        <p:spPr>
+          <a:xfrm>
+            <a:off x="6447934" y="1039924"/>
+            <a:ext cx="2894029" cy="1686160"/>
+          </a:xfrm>
+          <a:prstGeom prst="rect">
+            <a:avLst/>
+          </a:prstGeom>
+        </p:spPr>
+      </p:pic>
+      <p:pic>
+        <p:nvPicPr>
+          <p:cNvPr id="6" name="Picture 5">
+            <a:extLst>
+              <a:ext uri="{FF2B5EF4-FFF2-40B4-BE49-F238E27FC236}">
+                <a16:creationId xmlns:a16="http://schemas.microsoft.com/office/drawing/2014/main" id="{AE7E1B1C-4BA8-889D-CB63-C380339AF19E}"/>
+              </a:ext>
+            </a:extLst>
+          </p:cNvPr>
+          <p:cNvPicPr>
+            <a:picLocks noChangeAspect="1"/>
+          </p:cNvPicPr>
+          <p:nvPr/>
+        </p:nvPicPr>
+        <p:blipFill>
+          <a:blip r:embed="rId4"/>
+          <a:stretch>
+            <a:fillRect/>
+          </a:stretch>
+        </p:blipFill>
+        <p:spPr>
+          <a:xfrm>
+            <a:off x="2999813" y="3914900"/>
+            <a:ext cx="1911552" cy="1284725"/>
+          </a:xfrm>
+          <a:prstGeom prst="rect">
+            <a:avLst/>
+          </a:prstGeom>
+        </p:spPr>
+      </p:pic>
+      <p:pic>
+        <p:nvPicPr>
+          <p:cNvPr id="8" name="Picture 7">
+            <a:extLst>
+              <a:ext uri="{FF2B5EF4-FFF2-40B4-BE49-F238E27FC236}">
+                <a16:creationId xmlns:a16="http://schemas.microsoft.com/office/drawing/2014/main" id="{B4AB3EEC-641C-0C8A-F841-F88B54B56B2C}"/>
+              </a:ext>
+            </a:extLst>
+          </p:cNvPr>
+          <p:cNvPicPr>
+            <a:picLocks noChangeAspect="1"/>
+          </p:cNvPicPr>
+          <p:nvPr/>
+        </p:nvPicPr>
+        <p:blipFill>
+          <a:blip r:embed="rId5"/>
+          <a:stretch>
+            <a:fillRect/>
+          </a:stretch>
+        </p:blipFill>
+        <p:spPr>
+          <a:xfrm>
+            <a:off x="6685696" y="5157284"/>
+            <a:ext cx="1779574" cy="1321583"/>
+          </a:xfrm>
+          <a:prstGeom prst="rect">
+            <a:avLst/>
+          </a:prstGeom>
+        </p:spPr>
+      </p:pic>
     </p:spTree>
     <p:extLst>
       <p:ext uri="{BB962C8B-B14F-4D97-AF65-F5344CB8AC3E}">
@@ -3912,7 +4748,1744 @@
 </p:sld>
 </file>
 
-<file path=ppt/slides/slide14.xml><?xml version="1.0" encoding="utf-8"?>
+<file path=ppt/slides/slide16.xml><?xml version="1.0" encoding="utf-8"?>
+<p:sld xmlns:a="http://schemas.openxmlformats.org/drawingml/2006/main" xmlns:r="http://schemas.openxmlformats.org/officeDocument/2006/relationships" xmlns:p="http://schemas.openxmlformats.org/presentationml/2006/main">
+  <p:cSld>
+    <p:spTree>
+      <p:nvGrpSpPr>
+        <p:cNvPr id="1" name=""/>
+        <p:cNvGrpSpPr/>
+        <p:nvPr/>
+      </p:nvGrpSpPr>
+      <p:grpSpPr>
+        <a:xfrm>
+          <a:off x="0" y="0"/>
+          <a:ext cx="0" cy="0"/>
+          <a:chOff x="0" y="0"/>
+          <a:chExt cx="0" cy="0"/>
+        </a:xfrm>
+      </p:grpSpPr>
+      <p:pic>
+        <p:nvPicPr>
+          <p:cNvPr id="4" name="Picture 3">
+            <a:extLst>
+              <a:ext uri="{FF2B5EF4-FFF2-40B4-BE49-F238E27FC236}">
+                <a16:creationId xmlns:a16="http://schemas.microsoft.com/office/drawing/2014/main" id="{914E9E94-8727-B98F-A9C3-5CE0C5CC09DC}"/>
+              </a:ext>
+            </a:extLst>
+          </p:cNvPr>
+          <p:cNvPicPr>
+            <a:picLocks noChangeAspect="1"/>
+          </p:cNvPicPr>
+          <p:nvPr/>
+        </p:nvPicPr>
+        <p:blipFill>
+          <a:blip r:embed="rId2"/>
+          <a:stretch>
+            <a:fillRect/>
+          </a:stretch>
+        </p:blipFill>
+        <p:spPr>
+          <a:xfrm>
+            <a:off x="2555875" y="1981200"/>
+            <a:ext cx="7507020" cy="4168775"/>
+          </a:xfrm>
+          <a:prstGeom prst="rect">
+            <a:avLst/>
+          </a:prstGeom>
+        </p:spPr>
+      </p:pic>
+      <p:sp>
+        <p:nvSpPr>
+          <p:cNvPr id="5" name="TextBox 4">
+            <a:extLst>
+              <a:ext uri="{FF2B5EF4-FFF2-40B4-BE49-F238E27FC236}">
+                <a16:creationId xmlns:a16="http://schemas.microsoft.com/office/drawing/2014/main" id="{4A491936-D8D8-7C93-0515-DC67D2DA6AE2}"/>
+              </a:ext>
+            </a:extLst>
+          </p:cNvPr>
+          <p:cNvSpPr txBox="1"/>
+          <p:nvPr/>
+        </p:nvSpPr>
+        <p:spPr>
+          <a:xfrm>
+            <a:off x="4719341" y="717550"/>
+            <a:ext cx="2753318" cy="523220"/>
+          </a:xfrm>
+          <a:prstGeom prst="rect">
+            <a:avLst/>
+          </a:prstGeom>
+          <a:noFill/>
+        </p:spPr>
+        <p:txBody>
+          <a:bodyPr wrap="none" rtlCol="0">
+            <a:spAutoFit/>
+          </a:bodyPr>
+          <a:lstStyle/>
+          <a:p>
+            <a:r>
+              <a:rPr lang="en-IN" sz="2800" dirty="0"/>
+              <a:t>Power BI Desktop</a:t>
+            </a:r>
+          </a:p>
+        </p:txBody>
+      </p:sp>
+    </p:spTree>
+    <p:extLst>
+      <p:ext uri="{BB962C8B-B14F-4D97-AF65-F5344CB8AC3E}">
+        <p14:creationId xmlns:p14="http://schemas.microsoft.com/office/powerpoint/2010/main" val="2401298178"/>
+      </p:ext>
+    </p:extLst>
+  </p:cSld>
+  <p:clrMapOvr>
+    <a:masterClrMapping/>
+  </p:clrMapOvr>
+</p:sld>
+</file>
+
+<file path=ppt/slides/slide17.xml><?xml version="1.0" encoding="utf-8"?>
+<p:sld xmlns:a="http://schemas.openxmlformats.org/drawingml/2006/main" xmlns:r="http://schemas.openxmlformats.org/officeDocument/2006/relationships" xmlns:p="http://schemas.openxmlformats.org/presentationml/2006/main">
+  <p:cSld>
+    <p:spTree>
+      <p:nvGrpSpPr>
+        <p:cNvPr id="1" name=""/>
+        <p:cNvGrpSpPr/>
+        <p:nvPr/>
+      </p:nvGrpSpPr>
+      <p:grpSpPr>
+        <a:xfrm>
+          <a:off x="0" y="0"/>
+          <a:ext cx="0" cy="0"/>
+          <a:chOff x="0" y="0"/>
+          <a:chExt cx="0" cy="0"/>
+        </a:xfrm>
+      </p:grpSpPr>
+      <p:pic>
+        <p:nvPicPr>
+          <p:cNvPr id="4" name="Picture 3">
+            <a:extLst>
+              <a:ext uri="{FF2B5EF4-FFF2-40B4-BE49-F238E27FC236}">
+                <a16:creationId xmlns:a16="http://schemas.microsoft.com/office/drawing/2014/main" id="{B31A637E-356F-F07C-EF5F-17615682C6F6}"/>
+              </a:ext>
+            </a:extLst>
+          </p:cNvPr>
+          <p:cNvPicPr>
+            <a:picLocks noChangeAspect="1"/>
+          </p:cNvPicPr>
+          <p:nvPr/>
+        </p:nvPicPr>
+        <p:blipFill>
+          <a:blip r:embed="rId2"/>
+          <a:stretch>
+            <a:fillRect/>
+          </a:stretch>
+        </p:blipFill>
+        <p:spPr>
+          <a:xfrm>
+            <a:off x="3836987" y="1676400"/>
+            <a:ext cx="5190663" cy="4544695"/>
+          </a:xfrm>
+          <a:prstGeom prst="rect">
+            <a:avLst/>
+          </a:prstGeom>
+        </p:spPr>
+      </p:pic>
+      <p:sp>
+        <p:nvSpPr>
+          <p:cNvPr id="5" name="TextBox 4">
+            <a:extLst>
+              <a:ext uri="{FF2B5EF4-FFF2-40B4-BE49-F238E27FC236}">
+                <a16:creationId xmlns:a16="http://schemas.microsoft.com/office/drawing/2014/main" id="{1AA1DBC5-4FB2-88F5-96A0-2E929AB1A92B}"/>
+              </a:ext>
+            </a:extLst>
+          </p:cNvPr>
+          <p:cNvSpPr txBox="1"/>
+          <p:nvPr/>
+        </p:nvSpPr>
+        <p:spPr>
+          <a:xfrm>
+            <a:off x="4719341" y="717550"/>
+            <a:ext cx="1943481" cy="523220"/>
+          </a:xfrm>
+          <a:prstGeom prst="rect">
+            <a:avLst/>
+          </a:prstGeom>
+          <a:noFill/>
+        </p:spPr>
+        <p:txBody>
+          <a:bodyPr wrap="none" rtlCol="0">
+            <a:spAutoFit/>
+          </a:bodyPr>
+          <a:lstStyle/>
+          <a:p>
+            <a:r>
+              <a:rPr lang="en-IN" sz="2800" dirty="0"/>
+              <a:t>Data Import</a:t>
+            </a:r>
+          </a:p>
+        </p:txBody>
+      </p:sp>
+    </p:spTree>
+    <p:extLst>
+      <p:ext uri="{BB962C8B-B14F-4D97-AF65-F5344CB8AC3E}">
+        <p14:creationId xmlns:p14="http://schemas.microsoft.com/office/powerpoint/2010/main" val="1957786411"/>
+      </p:ext>
+    </p:extLst>
+  </p:cSld>
+  <p:clrMapOvr>
+    <a:masterClrMapping/>
+  </p:clrMapOvr>
+</p:sld>
+</file>
+
+<file path=ppt/slides/slide18.xml><?xml version="1.0" encoding="utf-8"?>
+<p:sld xmlns:a="http://schemas.openxmlformats.org/drawingml/2006/main" xmlns:r="http://schemas.openxmlformats.org/officeDocument/2006/relationships" xmlns:p="http://schemas.openxmlformats.org/presentationml/2006/main">
+  <p:cSld>
+    <p:spTree>
+      <p:nvGrpSpPr>
+        <p:cNvPr id="1" name=""/>
+        <p:cNvGrpSpPr/>
+        <p:nvPr/>
+      </p:nvGrpSpPr>
+      <p:grpSpPr>
+        <a:xfrm>
+          <a:off x="0" y="0"/>
+          <a:ext cx="0" cy="0"/>
+          <a:chOff x="0" y="0"/>
+          <a:chExt cx="0" cy="0"/>
+        </a:xfrm>
+      </p:grpSpPr>
+      <p:pic>
+        <p:nvPicPr>
+          <p:cNvPr id="5" name="Picture 4">
+            <a:extLst>
+              <a:ext uri="{FF2B5EF4-FFF2-40B4-BE49-F238E27FC236}">
+                <a16:creationId xmlns:a16="http://schemas.microsoft.com/office/drawing/2014/main" id="{433BFE99-C389-E805-A04B-389BADB40C9E}"/>
+              </a:ext>
+            </a:extLst>
+          </p:cNvPr>
+          <p:cNvPicPr>
+            <a:picLocks noChangeAspect="1"/>
+          </p:cNvPicPr>
+          <p:nvPr/>
+        </p:nvPicPr>
+        <p:blipFill>
+          <a:blip r:embed="rId2"/>
+          <a:stretch>
+            <a:fillRect/>
+          </a:stretch>
+        </p:blipFill>
+        <p:spPr>
+          <a:xfrm>
+            <a:off x="3692226" y="2429100"/>
+            <a:ext cx="4981874" cy="4334007"/>
+          </a:xfrm>
+          <a:prstGeom prst="rect">
+            <a:avLst/>
+          </a:prstGeom>
+        </p:spPr>
+      </p:pic>
+      <p:sp>
+        <p:nvSpPr>
+          <p:cNvPr id="7" name="TextBox 6">
+            <a:extLst>
+              <a:ext uri="{FF2B5EF4-FFF2-40B4-BE49-F238E27FC236}">
+                <a16:creationId xmlns:a16="http://schemas.microsoft.com/office/drawing/2014/main" id="{A742A13A-4E27-C161-388C-F25048CDCBA8}"/>
+              </a:ext>
+            </a:extLst>
+          </p:cNvPr>
+          <p:cNvSpPr txBox="1"/>
+          <p:nvPr/>
+        </p:nvSpPr>
+        <p:spPr>
+          <a:xfrm>
+            <a:off x="723898" y="539393"/>
+            <a:ext cx="10744200" cy="2352952"/>
+          </a:xfrm>
+          <a:prstGeom prst="rect">
+            <a:avLst/>
+          </a:prstGeom>
+          <a:noFill/>
+        </p:spPr>
+        <p:txBody>
+          <a:bodyPr wrap="square">
+            <a:spAutoFit/>
+          </a:bodyPr>
+          <a:lstStyle/>
+          <a:p>
+            <a:pPr>
+              <a:lnSpc>
+                <a:spcPct val="150000"/>
+              </a:lnSpc>
+            </a:pPr>
+            <a:r>
+              <a:rPr lang="en-US" sz="2000" dirty="0"/>
+              <a:t>The bar chart displays the </a:t>
+            </a:r>
+            <a:r>
+              <a:rPr lang="en-US" sz="2000" b="1" dirty="0"/>
+              <a:t>Sum of Profit by Year</a:t>
+            </a:r>
+            <a:r>
+              <a:rPr lang="en-US" sz="2000" dirty="0"/>
+              <a:t> from 2014 to 2017.</a:t>
+            </a:r>
+          </a:p>
+          <a:p>
+            <a:pPr>
+              <a:lnSpc>
+                <a:spcPct val="150000"/>
+              </a:lnSpc>
+              <a:buFont typeface="Arial" panose="020B0604020202020204" pitchFamily="34" charset="0"/>
+              <a:buChar char="•"/>
+            </a:pPr>
+            <a:r>
+              <a:rPr lang="en-US" sz="2000" dirty="0"/>
+              <a:t>A noticeable peak in profits is observed in </a:t>
+            </a:r>
+            <a:r>
+              <a:rPr lang="en-US" sz="2000" b="1" dirty="0"/>
+              <a:t>2016</a:t>
+            </a:r>
+            <a:r>
+              <a:rPr lang="en-US" sz="2000" dirty="0"/>
+              <a:t>, significantly outperforming the other years.</a:t>
+            </a:r>
+          </a:p>
+          <a:p>
+            <a:pPr>
+              <a:lnSpc>
+                <a:spcPct val="150000"/>
+              </a:lnSpc>
+              <a:buFont typeface="Arial" panose="020B0604020202020204" pitchFamily="34" charset="0"/>
+              <a:buChar char="•"/>
+            </a:pPr>
+            <a:r>
+              <a:rPr lang="en-US" sz="2000" dirty="0"/>
+              <a:t>While </a:t>
+            </a:r>
+            <a:r>
+              <a:rPr lang="en-US" sz="2000" b="1" dirty="0"/>
+              <a:t>2015</a:t>
+            </a:r>
+            <a:r>
+              <a:rPr lang="en-US" sz="2000" dirty="0"/>
+              <a:t> shows a slight increase compared to 2014, profits drop again in </a:t>
+            </a:r>
+            <a:r>
+              <a:rPr lang="en-US" sz="2000" b="1" dirty="0"/>
+              <a:t>2017</a:t>
+            </a:r>
+            <a:r>
+              <a:rPr lang="en-US" sz="2000" dirty="0"/>
+              <a:t>.</a:t>
+            </a:r>
+          </a:p>
+          <a:p>
+            <a:pPr>
+              <a:lnSpc>
+                <a:spcPct val="150000"/>
+              </a:lnSpc>
+              <a:buFont typeface="Arial" panose="020B0604020202020204" pitchFamily="34" charset="0"/>
+              <a:buChar char="•"/>
+            </a:pPr>
+            <a:r>
+              <a:rPr lang="en-US" sz="2000" dirty="0"/>
+              <a:t>This trend could indicate external factors like market conditions or internal business decisions driving the profit spike in 2016.</a:t>
+            </a:r>
+          </a:p>
+        </p:txBody>
+      </p:sp>
+      <p:sp>
+        <p:nvSpPr>
+          <p:cNvPr id="2" name="TextBox 1">
+            <a:extLst>
+              <a:ext uri="{FF2B5EF4-FFF2-40B4-BE49-F238E27FC236}">
+                <a16:creationId xmlns:a16="http://schemas.microsoft.com/office/drawing/2014/main" id="{15BBF50E-3651-A44D-4FC5-F89E8F81282A}"/>
+              </a:ext>
+            </a:extLst>
+          </p:cNvPr>
+          <p:cNvSpPr txBox="1"/>
+          <p:nvPr/>
+        </p:nvSpPr>
+        <p:spPr>
+          <a:xfrm>
+            <a:off x="4579641" y="94893"/>
+            <a:ext cx="2475293" cy="523220"/>
+          </a:xfrm>
+          <a:prstGeom prst="rect">
+            <a:avLst/>
+          </a:prstGeom>
+          <a:noFill/>
+        </p:spPr>
+        <p:txBody>
+          <a:bodyPr wrap="none" rtlCol="0">
+            <a:spAutoFit/>
+          </a:bodyPr>
+          <a:lstStyle/>
+          <a:p>
+            <a:r>
+              <a:rPr lang="en-IN" sz="2800" b="1" dirty="0"/>
+              <a:t>VISULAIZATION</a:t>
+            </a:r>
+          </a:p>
+        </p:txBody>
+      </p:sp>
+    </p:spTree>
+    <p:extLst>
+      <p:ext uri="{BB962C8B-B14F-4D97-AF65-F5344CB8AC3E}">
+        <p14:creationId xmlns:p14="http://schemas.microsoft.com/office/powerpoint/2010/main" val="1545347858"/>
+      </p:ext>
+    </p:extLst>
+  </p:cSld>
+  <p:clrMapOvr>
+    <a:masterClrMapping/>
+  </p:clrMapOvr>
+</p:sld>
+</file>
+
+<file path=ppt/slides/slide19.xml><?xml version="1.0" encoding="utf-8"?>
+<p:sld xmlns:a="http://schemas.openxmlformats.org/drawingml/2006/main" xmlns:r="http://schemas.openxmlformats.org/officeDocument/2006/relationships" xmlns:p="http://schemas.openxmlformats.org/presentationml/2006/main">
+  <p:cSld>
+    <p:spTree>
+      <p:nvGrpSpPr>
+        <p:cNvPr id="1" name=""/>
+        <p:cNvGrpSpPr/>
+        <p:nvPr/>
+      </p:nvGrpSpPr>
+      <p:grpSpPr>
+        <a:xfrm>
+          <a:off x="0" y="0"/>
+          <a:ext cx="0" cy="0"/>
+          <a:chOff x="0" y="0"/>
+          <a:chExt cx="0" cy="0"/>
+        </a:xfrm>
+      </p:grpSpPr>
+      <p:pic>
+        <p:nvPicPr>
+          <p:cNvPr id="5" name="Picture 4">
+            <a:extLst>
+              <a:ext uri="{FF2B5EF4-FFF2-40B4-BE49-F238E27FC236}">
+                <a16:creationId xmlns:a16="http://schemas.microsoft.com/office/drawing/2014/main" id="{DE77318D-45E8-4CBA-BB33-86697E031210}"/>
+              </a:ext>
+            </a:extLst>
+          </p:cNvPr>
+          <p:cNvPicPr>
+            <a:picLocks noChangeAspect="1"/>
+          </p:cNvPicPr>
+          <p:nvPr/>
+        </p:nvPicPr>
+        <p:blipFill>
+          <a:blip r:embed="rId2"/>
+          <a:stretch>
+            <a:fillRect/>
+          </a:stretch>
+        </p:blipFill>
+        <p:spPr>
+          <a:xfrm>
+            <a:off x="3028522" y="1332814"/>
+            <a:ext cx="6134956" cy="4915586"/>
+          </a:xfrm>
+          <a:prstGeom prst="rect">
+            <a:avLst/>
+          </a:prstGeom>
+        </p:spPr>
+      </p:pic>
+      <p:sp>
+        <p:nvSpPr>
+          <p:cNvPr id="6" name="TextBox 5">
+            <a:extLst>
+              <a:ext uri="{FF2B5EF4-FFF2-40B4-BE49-F238E27FC236}">
+                <a16:creationId xmlns:a16="http://schemas.microsoft.com/office/drawing/2014/main" id="{23DC8ADC-E45D-7B82-46C1-36191F77489D}"/>
+              </a:ext>
+            </a:extLst>
+          </p:cNvPr>
+          <p:cNvSpPr txBox="1"/>
+          <p:nvPr/>
+        </p:nvSpPr>
+        <p:spPr>
+          <a:xfrm>
+            <a:off x="4085866" y="609600"/>
+            <a:ext cx="4020268" cy="523220"/>
+          </a:xfrm>
+          <a:prstGeom prst="rect">
+            <a:avLst/>
+          </a:prstGeom>
+          <a:noFill/>
+        </p:spPr>
+        <p:txBody>
+          <a:bodyPr wrap="none" rtlCol="0">
+            <a:spAutoFit/>
+          </a:bodyPr>
+          <a:lstStyle/>
+          <a:p>
+            <a:r>
+              <a:rPr lang="en-IN" sz="2800" b="1" dirty="0"/>
+              <a:t>Detail view using ToolTips</a:t>
+            </a:r>
+            <a:endParaRPr lang="en-IN" sz="2400" b="1" dirty="0"/>
+          </a:p>
+        </p:txBody>
+      </p:sp>
+    </p:spTree>
+    <p:extLst>
+      <p:ext uri="{BB962C8B-B14F-4D97-AF65-F5344CB8AC3E}">
+        <p14:creationId xmlns:p14="http://schemas.microsoft.com/office/powerpoint/2010/main" val="895271604"/>
+      </p:ext>
+    </p:extLst>
+  </p:cSld>
+  <p:clrMapOvr>
+    <a:masterClrMapping/>
+  </p:clrMapOvr>
+</p:sld>
+</file>
+
+<file path=ppt/slides/slide2.xml><?xml version="1.0" encoding="utf-8"?>
+<p:sld xmlns:a="http://schemas.openxmlformats.org/drawingml/2006/main" xmlns:r="http://schemas.openxmlformats.org/officeDocument/2006/relationships" xmlns:p="http://schemas.openxmlformats.org/presentationml/2006/main">
+  <p:cSld>
+    <p:spTree>
+      <p:nvGrpSpPr>
+        <p:cNvPr id="1" name=""/>
+        <p:cNvGrpSpPr/>
+        <p:nvPr/>
+      </p:nvGrpSpPr>
+      <p:grpSpPr>
+        <a:xfrm>
+          <a:off x="0" y="0"/>
+          <a:ext cx="0" cy="0"/>
+          <a:chOff x="0" y="0"/>
+          <a:chExt cx="0" cy="0"/>
+        </a:xfrm>
+      </p:grpSpPr>
+      <p:grpSp>
+        <p:nvGrpSpPr>
+          <p:cNvPr id="16" name="Group 15">
+            <a:extLst>
+              <a:ext uri="{FF2B5EF4-FFF2-40B4-BE49-F238E27FC236}">
+                <a16:creationId xmlns:a16="http://schemas.microsoft.com/office/drawing/2014/main" id="{9EC3F908-E8E0-AF62-DE04-276EEFEBB158}"/>
+              </a:ext>
+            </a:extLst>
+          </p:cNvPr>
+          <p:cNvGrpSpPr/>
+          <p:nvPr/>
+        </p:nvGrpSpPr>
+        <p:grpSpPr>
+          <a:xfrm>
+            <a:off x="0" y="0"/>
+            <a:ext cx="12192000" cy="6858000"/>
+            <a:chOff x="0" y="0"/>
+            <a:chExt cx="12192000" cy="6858000"/>
+          </a:xfrm>
+        </p:grpSpPr>
+        <p:grpSp>
+          <p:nvGrpSpPr>
+            <p:cNvPr id="9" name="Group 8">
+              <a:extLst>
+                <a:ext uri="{FF2B5EF4-FFF2-40B4-BE49-F238E27FC236}">
+                  <a16:creationId xmlns:a16="http://schemas.microsoft.com/office/drawing/2014/main" id="{47585953-14AE-4FB3-5B67-9A5FA87AF37E}"/>
+                </a:ext>
+              </a:extLst>
+            </p:cNvPr>
+            <p:cNvGrpSpPr/>
+            <p:nvPr/>
+          </p:nvGrpSpPr>
+          <p:grpSpPr>
+            <a:xfrm>
+              <a:off x="0" y="0"/>
+              <a:ext cx="12192000" cy="6858000"/>
+              <a:chOff x="0" y="0"/>
+              <a:chExt cx="12192000" cy="6858000"/>
+            </a:xfrm>
+          </p:grpSpPr>
+          <p:pic>
+            <p:nvPicPr>
+              <p:cNvPr id="5" name="Picture 4">
+                <a:extLst>
+                  <a:ext uri="{FF2B5EF4-FFF2-40B4-BE49-F238E27FC236}">
+                    <a16:creationId xmlns:a16="http://schemas.microsoft.com/office/drawing/2014/main" id="{80B2A6C3-585A-62E9-AE9E-1D59C9AA2F22}"/>
+                  </a:ext>
+                </a:extLst>
+              </p:cNvPr>
+              <p:cNvPicPr>
+                <a:picLocks noChangeAspect="1"/>
+              </p:cNvPicPr>
+              <p:nvPr/>
+            </p:nvPicPr>
+            <p:blipFill>
+              <a:blip r:embed="rId2"/>
+              <a:stretch>
+                <a:fillRect/>
+              </a:stretch>
+            </p:blipFill>
+            <p:spPr>
+              <a:xfrm>
+                <a:off x="0" y="0"/>
+                <a:ext cx="12192000" cy="6858000"/>
+              </a:xfrm>
+              <a:prstGeom prst="rect">
+                <a:avLst/>
+              </a:prstGeom>
+            </p:spPr>
+          </p:pic>
+          <p:sp>
+            <p:nvSpPr>
+              <p:cNvPr id="7" name="Rectangle 6">
+                <a:extLst>
+                  <a:ext uri="{FF2B5EF4-FFF2-40B4-BE49-F238E27FC236}">
+                    <a16:creationId xmlns:a16="http://schemas.microsoft.com/office/drawing/2014/main" id="{4AD4767A-8186-128D-50D3-228470B54EF2}"/>
+                  </a:ext>
+                </a:extLst>
+              </p:cNvPr>
+              <p:cNvSpPr/>
+              <p:nvPr/>
+            </p:nvSpPr>
+            <p:spPr>
+              <a:xfrm>
+                <a:off x="593888" y="2493389"/>
+                <a:ext cx="5967167" cy="2960017"/>
+              </a:xfrm>
+              <a:prstGeom prst="rect">
+                <a:avLst/>
+              </a:prstGeom>
+              <a:solidFill>
+                <a:schemeClr val="bg1"/>
+              </a:solidFill>
+              <a:ln>
+                <a:noFill/>
+              </a:ln>
+            </p:spPr>
+            <p:style>
+              <a:lnRef idx="2">
+                <a:schemeClr val="accent1">
+                  <a:shade val="15000"/>
+                </a:schemeClr>
+              </a:lnRef>
+              <a:fillRef idx="1">
+                <a:schemeClr val="accent1"/>
+              </a:fillRef>
+              <a:effectRef idx="0">
+                <a:schemeClr val="accent1"/>
+              </a:effectRef>
+              <a:fontRef idx="minor">
+                <a:schemeClr val="lt1"/>
+              </a:fontRef>
+            </p:style>
+            <p:txBody>
+              <a:bodyPr rtlCol="0" anchor="ctr"/>
+              <a:lstStyle/>
+              <a:p>
+                <a:pPr algn="ctr"/>
+                <a:r>
+                  <a:rPr lang="en-IN" dirty="0"/>
+                  <a:t>INFOSYS SPRINTBOARD</a:t>
+                </a:r>
+              </a:p>
+            </p:txBody>
+          </p:sp>
+          <p:pic>
+            <p:nvPicPr>
+              <p:cNvPr id="8" name="Picture 7">
+                <a:extLst>
+                  <a:ext uri="{FF2B5EF4-FFF2-40B4-BE49-F238E27FC236}">
+                    <a16:creationId xmlns:a16="http://schemas.microsoft.com/office/drawing/2014/main" id="{0BE1D48F-9D5E-E46A-0A26-27650C3F613E}"/>
+                  </a:ext>
+                </a:extLst>
+              </p:cNvPr>
+              <p:cNvPicPr>
+                <a:picLocks noChangeAspect="1"/>
+              </p:cNvPicPr>
+              <p:nvPr/>
+            </p:nvPicPr>
+            <p:blipFill>
+              <a:blip r:embed="rId2"/>
+              <a:srcRect t="32829" r="44962" b="21398"/>
+              <a:stretch/>
+            </p:blipFill>
+            <p:spPr>
+              <a:xfrm>
+                <a:off x="0" y="1389609"/>
+                <a:ext cx="6710313" cy="3139127"/>
+              </a:xfrm>
+              <a:prstGeom prst="rect">
+                <a:avLst/>
+              </a:prstGeom>
+            </p:spPr>
+          </p:pic>
+        </p:grpSp>
+        <p:sp>
+          <p:nvSpPr>
+            <p:cNvPr id="10" name="TextBox 9">
+              <a:extLst>
+                <a:ext uri="{FF2B5EF4-FFF2-40B4-BE49-F238E27FC236}">
+                  <a16:creationId xmlns:a16="http://schemas.microsoft.com/office/drawing/2014/main" id="{E0860926-B2E2-B026-03D6-81DA7BAE238D}"/>
+                </a:ext>
+              </a:extLst>
+            </p:cNvPr>
+            <p:cNvSpPr txBox="1"/>
+            <p:nvPr/>
+          </p:nvSpPr>
+          <p:spPr>
+            <a:xfrm>
+              <a:off x="894033" y="4868101"/>
+              <a:ext cx="2461123" cy="369332"/>
+            </a:xfrm>
+            <a:prstGeom prst="rect">
+              <a:avLst/>
+            </a:prstGeom>
+            <a:noFill/>
+          </p:spPr>
+          <p:txBody>
+            <a:bodyPr wrap="none" rtlCol="0">
+              <a:spAutoFit/>
+            </a:bodyPr>
+            <a:lstStyle/>
+            <a:p>
+              <a:r>
+                <a:rPr lang="en-IN" b="1" dirty="0"/>
+                <a:t>INFOSYS SPRINGBOARD</a:t>
+              </a:r>
+            </a:p>
+          </p:txBody>
+        </p:sp>
+        <p:sp>
+          <p:nvSpPr>
+            <p:cNvPr id="11" name="TextBox 10">
+              <a:extLst>
+                <a:ext uri="{FF2B5EF4-FFF2-40B4-BE49-F238E27FC236}">
+                  <a16:creationId xmlns:a16="http://schemas.microsoft.com/office/drawing/2014/main" id="{3B39EBC9-65E0-2382-46E3-036096E9D1F5}"/>
+                </a:ext>
+              </a:extLst>
+            </p:cNvPr>
+            <p:cNvSpPr txBox="1"/>
+            <p:nvPr/>
+          </p:nvSpPr>
+          <p:spPr>
+            <a:xfrm>
+              <a:off x="894033" y="5237433"/>
+              <a:ext cx="2320507" cy="369332"/>
+            </a:xfrm>
+            <a:prstGeom prst="rect">
+              <a:avLst/>
+            </a:prstGeom>
+            <a:noFill/>
+          </p:spPr>
+          <p:txBody>
+            <a:bodyPr wrap="square" rtlCol="0">
+              <a:spAutoFit/>
+            </a:bodyPr>
+            <a:lstStyle/>
+            <a:p>
+              <a:r>
+                <a:rPr lang="en-IN" dirty="0"/>
+                <a:t>MR. VAMSI (Trainer)</a:t>
+              </a:r>
+            </a:p>
+          </p:txBody>
+        </p:sp>
+      </p:grpSp>
+      <p:grpSp>
+        <p:nvGrpSpPr>
+          <p:cNvPr id="15" name="Group 14">
+            <a:extLst>
+              <a:ext uri="{FF2B5EF4-FFF2-40B4-BE49-F238E27FC236}">
+                <a16:creationId xmlns:a16="http://schemas.microsoft.com/office/drawing/2014/main" id="{57713755-2F8B-FB81-5594-63DF5B064862}"/>
+              </a:ext>
+            </a:extLst>
+          </p:cNvPr>
+          <p:cNvGrpSpPr/>
+          <p:nvPr/>
+        </p:nvGrpSpPr>
+        <p:grpSpPr>
+          <a:xfrm>
+            <a:off x="92414" y="56902"/>
+            <a:ext cx="4643932" cy="956479"/>
+            <a:chOff x="92414" y="56902"/>
+            <a:chExt cx="4643932" cy="956479"/>
+          </a:xfrm>
+        </p:grpSpPr>
+        <p:pic>
+          <p:nvPicPr>
+            <p:cNvPr id="13" name="Picture 12">
+              <a:extLst>
+                <a:ext uri="{FF2B5EF4-FFF2-40B4-BE49-F238E27FC236}">
+                  <a16:creationId xmlns:a16="http://schemas.microsoft.com/office/drawing/2014/main" id="{80BA1D28-9FA2-B038-B8B9-08B4093D8739}"/>
+                </a:ext>
+              </a:extLst>
+            </p:cNvPr>
+            <p:cNvPicPr>
+              <a:picLocks noChangeAspect="1"/>
+            </p:cNvPicPr>
+            <p:nvPr/>
+          </p:nvPicPr>
+          <p:blipFill>
+            <a:blip r:embed="rId3">
+              <a:extLst>
+                <a:ext uri="{28A0092B-C50C-407E-A947-70E740481C1C}">
+                  <a14:useLocalDpi xmlns:a14="http://schemas.microsoft.com/office/drawing/2010/main" val="0"/>
+                </a:ext>
+              </a:extLst>
+            </a:blip>
+            <a:stretch>
+              <a:fillRect/>
+            </a:stretch>
+          </p:blipFill>
+          <p:spPr>
+            <a:xfrm>
+              <a:off x="2418596" y="215418"/>
+              <a:ext cx="2317750" cy="639445"/>
+            </a:xfrm>
+            <a:prstGeom prst="rect">
+              <a:avLst/>
+            </a:prstGeom>
+          </p:spPr>
+        </p:pic>
+        <p:pic>
+          <p:nvPicPr>
+            <p:cNvPr id="14" name="Picture 13">
+              <a:extLst>
+                <a:ext uri="{FF2B5EF4-FFF2-40B4-BE49-F238E27FC236}">
+                  <a16:creationId xmlns:a16="http://schemas.microsoft.com/office/drawing/2014/main" id="{4C20C0B2-7814-8402-5DF8-9A9D10CDE0BE}"/>
+                </a:ext>
+              </a:extLst>
+            </p:cNvPr>
+            <p:cNvPicPr>
+              <a:picLocks noChangeAspect="1"/>
+            </p:cNvPicPr>
+            <p:nvPr/>
+          </p:nvPicPr>
+          <p:blipFill rotWithShape="1">
+            <a:blip r:embed="rId4">
+              <a:extLst>
+                <a:ext uri="{28A0092B-C50C-407E-A947-70E740481C1C}">
+                  <a14:useLocalDpi xmlns:a14="http://schemas.microsoft.com/office/drawing/2010/main" val="0"/>
+                </a:ext>
+              </a:extLst>
+            </a:blip>
+            <a:srcRect l="32393" t="16398" r="30152" b="17204"/>
+            <a:stretch/>
+          </p:blipFill>
+          <p:spPr bwMode="auto">
+            <a:xfrm>
+              <a:off x="92414" y="56902"/>
+              <a:ext cx="1002948" cy="956479"/>
+            </a:xfrm>
+            <a:prstGeom prst="rect">
+              <a:avLst/>
+            </a:prstGeom>
+            <a:noFill/>
+            <a:ln>
+              <a:noFill/>
+            </a:ln>
+            <a:extLst>
+              <a:ext uri="{53640926-AAD7-44D8-BBD7-CCE9431645EC}">
+                <a14:shadowObscured xmlns:a14="http://schemas.microsoft.com/office/drawing/2010/main"/>
+              </a:ext>
+            </a:extLst>
+          </p:spPr>
+        </p:pic>
+      </p:grpSp>
+    </p:spTree>
+    <p:extLst>
+      <p:ext uri="{BB962C8B-B14F-4D97-AF65-F5344CB8AC3E}">
+        <p14:creationId xmlns:p14="http://schemas.microsoft.com/office/powerpoint/2010/main" val="1249308974"/>
+      </p:ext>
+    </p:extLst>
+  </p:cSld>
+  <p:clrMapOvr>
+    <a:masterClrMapping/>
+  </p:clrMapOvr>
+</p:sld>
+</file>
+
+<file path=ppt/slides/slide20.xml><?xml version="1.0" encoding="utf-8"?>
+<p:sld xmlns:a="http://schemas.openxmlformats.org/drawingml/2006/main" xmlns:r="http://schemas.openxmlformats.org/officeDocument/2006/relationships" xmlns:p="http://schemas.openxmlformats.org/presentationml/2006/main">
+  <p:cSld>
+    <p:spTree>
+      <p:nvGrpSpPr>
+        <p:cNvPr id="1" name=""/>
+        <p:cNvGrpSpPr/>
+        <p:nvPr/>
+      </p:nvGrpSpPr>
+      <p:grpSpPr>
+        <a:xfrm>
+          <a:off x="0" y="0"/>
+          <a:ext cx="0" cy="0"/>
+          <a:chOff x="0" y="0"/>
+          <a:chExt cx="0" cy="0"/>
+        </a:xfrm>
+      </p:grpSpPr>
+      <p:sp>
+        <p:nvSpPr>
+          <p:cNvPr id="5" name="TextBox 4">
+            <a:extLst>
+              <a:ext uri="{FF2B5EF4-FFF2-40B4-BE49-F238E27FC236}">
+                <a16:creationId xmlns:a16="http://schemas.microsoft.com/office/drawing/2014/main" id="{8BDB719C-D4B1-28D0-99E6-DC2C190D9C3D}"/>
+              </a:ext>
+            </a:extLst>
+          </p:cNvPr>
+          <p:cNvSpPr txBox="1"/>
+          <p:nvPr/>
+        </p:nvSpPr>
+        <p:spPr>
+          <a:xfrm>
+            <a:off x="660400" y="523439"/>
+            <a:ext cx="10312400" cy="2542363"/>
+          </a:xfrm>
+          <a:prstGeom prst="rect">
+            <a:avLst/>
+          </a:prstGeom>
+          <a:noFill/>
+        </p:spPr>
+        <p:txBody>
+          <a:bodyPr wrap="square">
+            <a:spAutoFit/>
+          </a:bodyPr>
+          <a:lstStyle/>
+          <a:p>
+            <a:pPr>
+              <a:lnSpc>
+                <a:spcPct val="150000"/>
+              </a:lnSpc>
+            </a:pPr>
+            <a:r>
+              <a:rPr lang="en-US" dirty="0"/>
+              <a:t>The pie chart represents the </a:t>
+            </a:r>
+            <a:r>
+              <a:rPr lang="en-US" b="1" dirty="0"/>
+              <a:t>Sales Average per Quantity by Category</a:t>
+            </a:r>
+            <a:r>
+              <a:rPr lang="en-US" dirty="0"/>
+              <a:t>:</a:t>
+            </a:r>
+          </a:p>
+          <a:p>
+            <a:pPr>
+              <a:lnSpc>
+                <a:spcPct val="150000"/>
+              </a:lnSpc>
+              <a:buFont typeface="Arial" panose="020B0604020202020204" pitchFamily="34" charset="0"/>
+              <a:buChar char="•"/>
+            </a:pPr>
+            <a:r>
+              <a:rPr lang="en-US" b="1" dirty="0"/>
+              <a:t>Technology</a:t>
+            </a:r>
+            <a:r>
+              <a:rPr lang="en-US" dirty="0"/>
+              <a:t> accounts for the largest share at </a:t>
+            </a:r>
+            <a:r>
+              <a:rPr lang="en-US" b="1" dirty="0"/>
+              <a:t>38.1% (24.19K)</a:t>
+            </a:r>
+            <a:r>
+              <a:rPr lang="en-US" dirty="0"/>
+              <a:t>, indicating it is the top-performing category in terms of sales average.</a:t>
+            </a:r>
+          </a:p>
+          <a:p>
+            <a:pPr>
+              <a:lnSpc>
+                <a:spcPct val="150000"/>
+              </a:lnSpc>
+              <a:buFont typeface="Arial" panose="020B0604020202020204" pitchFamily="34" charset="0"/>
+              <a:buChar char="•"/>
+            </a:pPr>
+            <a:r>
+              <a:rPr lang="en-US" b="1" dirty="0"/>
+              <a:t>Furniture</a:t>
+            </a:r>
+            <a:r>
+              <a:rPr lang="en-US" dirty="0"/>
+              <a:t> follows with </a:t>
+            </a:r>
+            <a:r>
+              <a:rPr lang="en-US" b="1" dirty="0"/>
+              <a:t>32.63% (20.7K)</a:t>
+            </a:r>
+            <a:r>
+              <a:rPr lang="en-US" dirty="0"/>
+              <a:t>, making it a significant contributor to sales.</a:t>
+            </a:r>
+          </a:p>
+          <a:p>
+            <a:pPr>
+              <a:lnSpc>
+                <a:spcPct val="150000"/>
+              </a:lnSpc>
+              <a:buFont typeface="Arial" panose="020B0604020202020204" pitchFamily="34" charset="0"/>
+              <a:buChar char="•"/>
+            </a:pPr>
+            <a:r>
+              <a:rPr lang="en-US" b="1" dirty="0"/>
+              <a:t>Office Supplies</a:t>
+            </a:r>
+            <a:r>
+              <a:rPr lang="en-US" dirty="0"/>
+              <a:t> represents the smallest share at </a:t>
+            </a:r>
+            <a:r>
+              <a:rPr lang="en-US" b="1" dirty="0"/>
+              <a:t>29.23% (18.54K)</a:t>
+            </a:r>
+            <a:r>
+              <a:rPr lang="en-US" dirty="0"/>
+              <a:t>, suggesting potential areas for growth or focus.</a:t>
+            </a:r>
+          </a:p>
+        </p:txBody>
+      </p:sp>
+      <p:pic>
+        <p:nvPicPr>
+          <p:cNvPr id="7" name="Picture 6">
+            <a:extLst>
+              <a:ext uri="{FF2B5EF4-FFF2-40B4-BE49-F238E27FC236}">
+                <a16:creationId xmlns:a16="http://schemas.microsoft.com/office/drawing/2014/main" id="{3B04C07F-012E-32C8-4E78-C0E79D9D1213}"/>
+              </a:ext>
+            </a:extLst>
+          </p:cNvPr>
+          <p:cNvPicPr>
+            <a:picLocks noChangeAspect="1"/>
+          </p:cNvPicPr>
+          <p:nvPr/>
+        </p:nvPicPr>
+        <p:blipFill>
+          <a:blip r:embed="rId2"/>
+          <a:stretch>
+            <a:fillRect/>
+          </a:stretch>
+        </p:blipFill>
+        <p:spPr>
+          <a:xfrm>
+            <a:off x="3748087" y="2860675"/>
+            <a:ext cx="4695825" cy="3676650"/>
+          </a:xfrm>
+          <a:prstGeom prst="rect">
+            <a:avLst/>
+          </a:prstGeom>
+        </p:spPr>
+      </p:pic>
+    </p:spTree>
+    <p:extLst>
+      <p:ext uri="{BB962C8B-B14F-4D97-AF65-F5344CB8AC3E}">
+        <p14:creationId xmlns:p14="http://schemas.microsoft.com/office/powerpoint/2010/main" val="1346250737"/>
+      </p:ext>
+    </p:extLst>
+  </p:cSld>
+  <p:clrMapOvr>
+    <a:masterClrMapping/>
+  </p:clrMapOvr>
+</p:sld>
+</file>
+
+<file path=ppt/slides/slide21.xml><?xml version="1.0" encoding="utf-8"?>
+<p:sld xmlns:a="http://schemas.openxmlformats.org/drawingml/2006/main" xmlns:r="http://schemas.openxmlformats.org/officeDocument/2006/relationships" xmlns:p="http://schemas.openxmlformats.org/presentationml/2006/main">
+  <p:cSld>
+    <p:spTree>
+      <p:nvGrpSpPr>
+        <p:cNvPr id="1" name=""/>
+        <p:cNvGrpSpPr/>
+        <p:nvPr/>
+      </p:nvGrpSpPr>
+      <p:grpSpPr>
+        <a:xfrm>
+          <a:off x="0" y="0"/>
+          <a:ext cx="0" cy="0"/>
+          <a:chOff x="0" y="0"/>
+          <a:chExt cx="0" cy="0"/>
+        </a:xfrm>
+      </p:grpSpPr>
+      <p:pic>
+        <p:nvPicPr>
+          <p:cNvPr id="5" name="Picture 4">
+            <a:extLst>
+              <a:ext uri="{FF2B5EF4-FFF2-40B4-BE49-F238E27FC236}">
+                <a16:creationId xmlns:a16="http://schemas.microsoft.com/office/drawing/2014/main" id="{841790C4-D04A-28A0-C36D-DF8B33B6BA75}"/>
+              </a:ext>
+            </a:extLst>
+          </p:cNvPr>
+          <p:cNvPicPr>
+            <a:picLocks noChangeAspect="1"/>
+          </p:cNvPicPr>
+          <p:nvPr/>
+        </p:nvPicPr>
+        <p:blipFill>
+          <a:blip r:embed="rId2"/>
+          <a:stretch>
+            <a:fillRect/>
+          </a:stretch>
+        </p:blipFill>
+        <p:spPr>
+          <a:xfrm>
+            <a:off x="4027178" y="2978855"/>
+            <a:ext cx="4429743" cy="3620005"/>
+          </a:xfrm>
+          <a:prstGeom prst="rect">
+            <a:avLst/>
+          </a:prstGeom>
+        </p:spPr>
+      </p:pic>
+      <p:sp>
+        <p:nvSpPr>
+          <p:cNvPr id="7" name="TextBox 6">
+            <a:extLst>
+              <a:ext uri="{FF2B5EF4-FFF2-40B4-BE49-F238E27FC236}">
+                <a16:creationId xmlns:a16="http://schemas.microsoft.com/office/drawing/2014/main" id="{77534393-84BF-FB48-E000-77765B67C37B}"/>
+              </a:ext>
+            </a:extLst>
+          </p:cNvPr>
+          <p:cNvSpPr txBox="1"/>
+          <p:nvPr/>
+        </p:nvSpPr>
+        <p:spPr>
+          <a:xfrm>
+            <a:off x="673100" y="259140"/>
+            <a:ext cx="11137900" cy="2957861"/>
+          </a:xfrm>
+          <a:prstGeom prst="rect">
+            <a:avLst/>
+          </a:prstGeom>
+          <a:noFill/>
+        </p:spPr>
+        <p:txBody>
+          <a:bodyPr wrap="square">
+            <a:spAutoFit/>
+          </a:bodyPr>
+          <a:lstStyle/>
+          <a:p>
+            <a:pPr>
+              <a:lnSpc>
+                <a:spcPct val="150000"/>
+              </a:lnSpc>
+            </a:pPr>
+            <a:r>
+              <a:rPr lang="en-US" dirty="0"/>
+              <a:t>The scatter plot shows the </a:t>
+            </a:r>
+            <a:r>
+              <a:rPr lang="en-US" b="1" dirty="0"/>
+              <a:t>Sum of Sales vs. Sum of Profit</a:t>
+            </a:r>
+            <a:r>
+              <a:rPr lang="en-US" dirty="0"/>
+              <a:t> segmented by </a:t>
+            </a:r>
+            <a:r>
+              <a:rPr lang="en-US" b="1" dirty="0"/>
+              <a:t>Customer ID and Region</a:t>
+            </a:r>
+            <a:r>
+              <a:rPr lang="en-US" dirty="0"/>
+              <a:t>:</a:t>
+            </a:r>
+          </a:p>
+          <a:p>
+            <a:pPr>
+              <a:lnSpc>
+                <a:spcPct val="150000"/>
+              </a:lnSpc>
+              <a:buFont typeface="Arial" panose="020B0604020202020204" pitchFamily="34" charset="0"/>
+              <a:buChar char="•"/>
+            </a:pPr>
+            <a:r>
+              <a:rPr lang="en-US" dirty="0"/>
+              <a:t>Most data points are clustered near the lower range of </a:t>
+            </a:r>
+            <a:r>
+              <a:rPr lang="en-US" b="1" dirty="0"/>
+              <a:t>sales</a:t>
+            </a:r>
+            <a:r>
+              <a:rPr lang="en-US" dirty="0"/>
+              <a:t> and </a:t>
+            </a:r>
+            <a:r>
+              <a:rPr lang="en-US" b="1" dirty="0"/>
+              <a:t>profits</a:t>
+            </a:r>
+            <a:r>
+              <a:rPr lang="en-US" dirty="0"/>
+              <a:t>, indicating many customers contribute to smaller sales and profit margins.</a:t>
+            </a:r>
+          </a:p>
+          <a:p>
+            <a:pPr>
+              <a:lnSpc>
+                <a:spcPct val="150000"/>
+              </a:lnSpc>
+              <a:buFont typeface="Arial" panose="020B0604020202020204" pitchFamily="34" charset="0"/>
+              <a:buChar char="•"/>
+            </a:pPr>
+            <a:r>
+              <a:rPr lang="en-US" dirty="0"/>
+              <a:t>A few outliers, particularly in the </a:t>
+            </a:r>
+            <a:r>
+              <a:rPr lang="en-US" b="1" dirty="0"/>
+              <a:t>East and West regions</a:t>
+            </a:r>
+            <a:r>
+              <a:rPr lang="en-US" dirty="0"/>
+              <a:t>, show significantly higher sales and profits, likely representing key customers driving revenue.</a:t>
+            </a:r>
+          </a:p>
+          <a:p>
+            <a:pPr>
+              <a:lnSpc>
+                <a:spcPct val="150000"/>
+              </a:lnSpc>
+              <a:buFont typeface="Arial" panose="020B0604020202020204" pitchFamily="34" charset="0"/>
+              <a:buChar char="•"/>
+            </a:pPr>
+            <a:r>
+              <a:rPr lang="en-US" dirty="0"/>
+              <a:t>Negative profits for some data points in all regions suggest losses despite achieving sales, pointing to potential inefficiencies or pricing issues.</a:t>
+            </a:r>
+          </a:p>
+        </p:txBody>
+      </p:sp>
+    </p:spTree>
+    <p:extLst>
+      <p:ext uri="{BB962C8B-B14F-4D97-AF65-F5344CB8AC3E}">
+        <p14:creationId xmlns:p14="http://schemas.microsoft.com/office/powerpoint/2010/main" val="2129397296"/>
+      </p:ext>
+    </p:extLst>
+  </p:cSld>
+  <p:clrMapOvr>
+    <a:masterClrMapping/>
+  </p:clrMapOvr>
+</p:sld>
+</file>
+
+<file path=ppt/slides/slide22.xml><?xml version="1.0" encoding="utf-8"?>
+<p:sld xmlns:a="http://schemas.openxmlformats.org/drawingml/2006/main" xmlns:r="http://schemas.openxmlformats.org/officeDocument/2006/relationships" xmlns:p="http://schemas.openxmlformats.org/presentationml/2006/main">
+  <p:cSld>
+    <p:spTree>
+      <p:nvGrpSpPr>
+        <p:cNvPr id="1" name=""/>
+        <p:cNvGrpSpPr/>
+        <p:nvPr/>
+      </p:nvGrpSpPr>
+      <p:grpSpPr>
+        <a:xfrm>
+          <a:off x="0" y="0"/>
+          <a:ext cx="0" cy="0"/>
+          <a:chOff x="0" y="0"/>
+          <a:chExt cx="0" cy="0"/>
+        </a:xfrm>
+      </p:grpSpPr>
+      <p:pic>
+        <p:nvPicPr>
+          <p:cNvPr id="5" name="Picture 4">
+            <a:extLst>
+              <a:ext uri="{FF2B5EF4-FFF2-40B4-BE49-F238E27FC236}">
+                <a16:creationId xmlns:a16="http://schemas.microsoft.com/office/drawing/2014/main" id="{0C4A6A12-D006-B71E-49FB-863E1059C3BF}"/>
+              </a:ext>
+            </a:extLst>
+          </p:cNvPr>
+          <p:cNvPicPr>
+            <a:picLocks noChangeAspect="1"/>
+          </p:cNvPicPr>
+          <p:nvPr/>
+        </p:nvPicPr>
+        <p:blipFill>
+          <a:blip r:embed="rId2"/>
+          <a:stretch>
+            <a:fillRect/>
+          </a:stretch>
+        </p:blipFill>
+        <p:spPr>
+          <a:xfrm>
+            <a:off x="4770734" y="2789892"/>
+            <a:ext cx="7025333" cy="3979334"/>
+          </a:xfrm>
+          <a:prstGeom prst="rect">
+            <a:avLst/>
+          </a:prstGeom>
+        </p:spPr>
+      </p:pic>
+      <p:sp>
+        <p:nvSpPr>
+          <p:cNvPr id="9" name="Rectangle 3">
+            <a:extLst>
+              <a:ext uri="{FF2B5EF4-FFF2-40B4-BE49-F238E27FC236}">
+                <a16:creationId xmlns:a16="http://schemas.microsoft.com/office/drawing/2014/main" id="{C5712E72-3E0E-C0D3-D36B-5E738E685C40}"/>
+              </a:ext>
+            </a:extLst>
+          </p:cNvPr>
+          <p:cNvSpPr>
+            <a:spLocks noChangeArrowheads="1"/>
+          </p:cNvSpPr>
+          <p:nvPr/>
+        </p:nvSpPr>
+        <p:spPr bwMode="auto">
+          <a:xfrm>
+            <a:off x="395933" y="188148"/>
+            <a:ext cx="11010900" cy="2800767"/>
+          </a:xfrm>
+          <a:prstGeom prst="rect">
+            <a:avLst/>
+          </a:prstGeom>
+          <a:noFill/>
+          <a:ln>
+            <a:noFill/>
+          </a:ln>
+          <a:effectLst/>
+          <a:extLst>
+            <a:ext uri="{909E8E84-426E-40DD-AFC4-6F175D3DCCD1}">
+              <a14:hiddenFill xmlns:a14="http://schemas.microsoft.com/office/drawing/2010/main">
+                <a:solidFill>
+                  <a:schemeClr val="accent1"/>
+                </a:solidFill>
+              </a14:hiddenFill>
+            </a:ext>
+            <a:ext uri="{91240B29-F687-4F45-9708-019B960494DF}">
+              <a14:hiddenLine xmlns:a14="http://schemas.microsoft.com/office/drawing/2010/main" w="9525">
+                <a:solidFill>
+                  <a:schemeClr val="tx1"/>
+                </a:solidFill>
+                <a:miter lim="800000"/>
+                <a:headEnd/>
+                <a:tailEnd/>
+              </a14:hiddenLine>
+            </a:ext>
+            <a:ext uri="{AF507438-7753-43E0-B8FC-AC1667EBCBE1}">
+              <a14:hiddenEffects xmlns:a14="http://schemas.microsoft.com/office/drawing/2010/main">
+                <a:effectLst>
+                  <a:outerShdw dist="35921" dir="2700000" algn="ctr" rotWithShape="0">
+                    <a:schemeClr val="bg2"/>
+                  </a:outerShdw>
+                </a:effectLst>
+              </a14:hiddenEffects>
+            </a:ext>
+          </a:extLst>
+        </p:spPr>
+        <p:txBody>
+          <a:bodyPr vert="horz" wrap="square" lIns="91440" tIns="45720" rIns="91440" bIns="45720" numCol="1" anchor="ctr" anchorCtr="0" compatLnSpc="1">
+            <a:prstTxWarp prst="textNoShape">
+              <a:avLst/>
+            </a:prstTxWarp>
+            <a:spAutoFit/>
+          </a:bodyPr>
+          <a:lstStyle/>
+          <a:p>
+            <a:pPr marL="0" marR="0" lvl="0" indent="0" algn="l" defTabSz="914400" rtl="0" eaLnBrk="0" fontAlgn="base" latinLnBrk="0" hangingPunct="0">
+              <a:lnSpc>
+                <a:spcPct val="100000"/>
+              </a:lnSpc>
+              <a:spcBef>
+                <a:spcPct val="0"/>
+              </a:spcBef>
+              <a:spcAft>
+                <a:spcPct val="0"/>
+              </a:spcAft>
+              <a:buClrTx/>
+              <a:buSzTx/>
+              <a:buFontTx/>
+              <a:buChar char="•"/>
+              <a:tabLst/>
+            </a:pPr>
+            <a:r>
+              <a:rPr kumimoji="0" lang="en-US" altLang="en-US" sz="1600" b="1" i="0" u="none" strike="noStrike" cap="none" normalizeH="0" baseline="0" dirty="0">
+                <a:ln>
+                  <a:noFill/>
+                </a:ln>
+                <a:solidFill>
+                  <a:schemeClr val="tx1"/>
+                </a:solidFill>
+                <a:effectLst/>
+                <a:latin typeface="Arial" panose="020B0604020202020204" pitchFamily="34" charset="0"/>
+              </a:rPr>
+              <a:t>Sales and Profit Trends (Line Chart)</a:t>
+            </a:r>
+            <a:r>
+              <a:rPr kumimoji="0" lang="en-US" altLang="en-US" sz="1600" b="0" i="0" u="none" strike="noStrike" cap="none" normalizeH="0" baseline="0" dirty="0">
+                <a:ln>
+                  <a:noFill/>
+                </a:ln>
+                <a:solidFill>
+                  <a:schemeClr val="tx1"/>
+                </a:solidFill>
+                <a:effectLst/>
+                <a:latin typeface="Arial" panose="020B0604020202020204" pitchFamily="34" charset="0"/>
+              </a:rPr>
+              <a:t>:</a:t>
+            </a:r>
+          </a:p>
+          <a:p>
+            <a:pPr marL="0" marR="0" lvl="0" indent="0" algn="l" defTabSz="914400" rtl="0" eaLnBrk="0" fontAlgn="base" latinLnBrk="0" hangingPunct="0">
+              <a:lnSpc>
+                <a:spcPct val="100000"/>
+              </a:lnSpc>
+              <a:spcBef>
+                <a:spcPct val="0"/>
+              </a:spcBef>
+              <a:spcAft>
+                <a:spcPct val="0"/>
+              </a:spcAft>
+              <a:buClrTx/>
+              <a:buSzTx/>
+              <a:buFontTx/>
+              <a:buChar char="•"/>
+              <a:tabLst/>
+            </a:pPr>
+            <a:r>
+              <a:rPr kumimoji="0" lang="en-US" altLang="en-US" sz="1600" b="0" i="0" u="none" strike="noStrike" cap="none" normalizeH="0" baseline="0" dirty="0">
+                <a:ln>
+                  <a:noFill/>
+                </a:ln>
+                <a:solidFill>
+                  <a:schemeClr val="tx1"/>
+                </a:solidFill>
+                <a:effectLst/>
+                <a:latin typeface="Arial" panose="020B0604020202020204" pitchFamily="34" charset="0"/>
+              </a:rPr>
+              <a:t>The sum of sales and profits increased significantly from 2014 to 2016, peaking in 2016.</a:t>
+            </a:r>
+          </a:p>
+          <a:p>
+            <a:pPr marL="0" marR="0" lvl="0" indent="0" algn="l" defTabSz="914400" rtl="0" eaLnBrk="0" fontAlgn="base" latinLnBrk="0" hangingPunct="0">
+              <a:lnSpc>
+                <a:spcPct val="100000"/>
+              </a:lnSpc>
+              <a:spcBef>
+                <a:spcPct val="0"/>
+              </a:spcBef>
+              <a:spcAft>
+                <a:spcPct val="0"/>
+              </a:spcAft>
+              <a:buClrTx/>
+              <a:buSzTx/>
+              <a:buFontTx/>
+              <a:buChar char="•"/>
+              <a:tabLst/>
+            </a:pPr>
+            <a:r>
+              <a:rPr kumimoji="0" lang="en-US" altLang="en-US" sz="1600" b="0" i="0" u="none" strike="noStrike" cap="none" normalizeH="0" baseline="0" dirty="0">
+                <a:ln>
+                  <a:noFill/>
+                </a:ln>
+                <a:solidFill>
+                  <a:schemeClr val="tx1"/>
+                </a:solidFill>
+                <a:effectLst/>
+                <a:latin typeface="Arial" panose="020B0604020202020204" pitchFamily="34" charset="0"/>
+              </a:rPr>
+              <a:t>A decline in sales and profit is evident in 2017.</a:t>
+            </a:r>
+          </a:p>
+          <a:p>
+            <a:pPr marL="0" marR="0" lvl="0" indent="0" algn="l" defTabSz="914400" rtl="0" eaLnBrk="0" fontAlgn="base" latinLnBrk="0" hangingPunct="0">
+              <a:lnSpc>
+                <a:spcPct val="100000"/>
+              </a:lnSpc>
+              <a:spcBef>
+                <a:spcPct val="0"/>
+              </a:spcBef>
+              <a:spcAft>
+                <a:spcPct val="0"/>
+              </a:spcAft>
+              <a:buClrTx/>
+              <a:buSzTx/>
+              <a:buFontTx/>
+              <a:buChar char="•"/>
+              <a:tabLst/>
+            </a:pPr>
+            <a:r>
+              <a:rPr kumimoji="0" lang="en-US" altLang="en-US" sz="1600" b="1" i="0" u="none" strike="noStrike" cap="none" normalizeH="0" baseline="0" dirty="0">
+                <a:ln>
+                  <a:noFill/>
+                </a:ln>
+                <a:solidFill>
+                  <a:schemeClr val="tx1"/>
+                </a:solidFill>
+                <a:effectLst/>
+                <a:latin typeface="Arial" panose="020B0604020202020204" pitchFamily="34" charset="0"/>
+              </a:rPr>
+              <a:t>Sales Average per Quantity by Year (Pie Chart)</a:t>
+            </a:r>
+            <a:r>
+              <a:rPr kumimoji="0" lang="en-US" altLang="en-US" sz="1600" b="0" i="0" u="none" strike="noStrike" cap="none" normalizeH="0" baseline="0" dirty="0">
+                <a:ln>
+                  <a:noFill/>
+                </a:ln>
+                <a:solidFill>
+                  <a:schemeClr val="tx1"/>
+                </a:solidFill>
+                <a:effectLst/>
+                <a:latin typeface="Arial" panose="020B0604020202020204" pitchFamily="34" charset="0"/>
+              </a:rPr>
+              <a:t>:</a:t>
+            </a:r>
+          </a:p>
+          <a:p>
+            <a:pPr marL="0" marR="0" lvl="0" indent="0" algn="l" defTabSz="914400" rtl="0" eaLnBrk="0" fontAlgn="base" latinLnBrk="0" hangingPunct="0">
+              <a:lnSpc>
+                <a:spcPct val="100000"/>
+              </a:lnSpc>
+              <a:spcBef>
+                <a:spcPct val="0"/>
+              </a:spcBef>
+              <a:spcAft>
+                <a:spcPct val="0"/>
+              </a:spcAft>
+              <a:buClrTx/>
+              <a:buSzTx/>
+              <a:buFontTx/>
+              <a:buChar char="•"/>
+              <a:tabLst/>
+            </a:pPr>
+            <a:r>
+              <a:rPr kumimoji="0" lang="en-US" altLang="en-US" sz="1600" b="0" i="0" u="none" strike="noStrike" cap="none" normalizeH="0" baseline="0" dirty="0">
+                <a:ln>
+                  <a:noFill/>
+                </a:ln>
+                <a:solidFill>
+                  <a:schemeClr val="tx1"/>
+                </a:solidFill>
+                <a:effectLst/>
+                <a:latin typeface="Arial" panose="020B0604020202020204" pitchFamily="34" charset="0"/>
+              </a:rPr>
+              <a:t>The highest average sales per quantity occurred in 2014 (29.86%) and 2016 (29.66%).</a:t>
+            </a:r>
+          </a:p>
+          <a:p>
+            <a:pPr marL="0" marR="0" lvl="0" indent="0" algn="l" defTabSz="914400" rtl="0" eaLnBrk="0" fontAlgn="base" latinLnBrk="0" hangingPunct="0">
+              <a:lnSpc>
+                <a:spcPct val="100000"/>
+              </a:lnSpc>
+              <a:spcBef>
+                <a:spcPct val="0"/>
+              </a:spcBef>
+              <a:spcAft>
+                <a:spcPct val="0"/>
+              </a:spcAft>
+              <a:buClrTx/>
+              <a:buSzTx/>
+              <a:buFontTx/>
+              <a:buChar char="•"/>
+              <a:tabLst/>
+            </a:pPr>
+            <a:r>
+              <a:rPr kumimoji="0" lang="en-US" altLang="en-US" sz="1600" b="0" i="0" u="none" strike="noStrike" cap="none" normalizeH="0" baseline="0" dirty="0">
+                <a:ln>
+                  <a:noFill/>
+                </a:ln>
+                <a:solidFill>
+                  <a:schemeClr val="tx1"/>
+                </a:solidFill>
+                <a:effectLst/>
+                <a:latin typeface="Arial" panose="020B0604020202020204" pitchFamily="34" charset="0"/>
+              </a:rPr>
+              <a:t>2017 contributed the lowest average sales per quantity (19.55%).</a:t>
+            </a:r>
+          </a:p>
+          <a:p>
+            <a:pPr marL="0" marR="0" lvl="0" indent="0" algn="l" defTabSz="914400" rtl="0" eaLnBrk="0" fontAlgn="base" latinLnBrk="0" hangingPunct="0">
+              <a:lnSpc>
+                <a:spcPct val="100000"/>
+              </a:lnSpc>
+              <a:spcBef>
+                <a:spcPct val="0"/>
+              </a:spcBef>
+              <a:spcAft>
+                <a:spcPct val="0"/>
+              </a:spcAft>
+              <a:buClrTx/>
+              <a:buSzTx/>
+              <a:buFontTx/>
+              <a:buChar char="•"/>
+              <a:tabLst/>
+            </a:pPr>
+            <a:r>
+              <a:rPr kumimoji="0" lang="en-US" altLang="en-US" sz="1600" b="1" i="0" u="none" strike="noStrike" cap="none" normalizeH="0" baseline="0" dirty="0">
+                <a:ln>
+                  <a:noFill/>
+                </a:ln>
+                <a:solidFill>
+                  <a:schemeClr val="tx1"/>
+                </a:solidFill>
+                <a:effectLst/>
+                <a:latin typeface="Arial" panose="020B0604020202020204" pitchFamily="34" charset="0"/>
+              </a:rPr>
+              <a:t>Category Breakdown (Bar Chart)</a:t>
+            </a:r>
+            <a:r>
+              <a:rPr kumimoji="0" lang="en-US" altLang="en-US" sz="1600" b="0" i="0" u="none" strike="noStrike" cap="none" normalizeH="0" baseline="0" dirty="0">
+                <a:ln>
+                  <a:noFill/>
+                </a:ln>
+                <a:solidFill>
+                  <a:schemeClr val="tx1"/>
+                </a:solidFill>
+                <a:effectLst/>
+                <a:latin typeface="Arial" panose="020B0604020202020204" pitchFamily="34" charset="0"/>
+              </a:rPr>
+              <a:t>:</a:t>
+            </a:r>
+          </a:p>
+          <a:p>
+            <a:pPr marL="0" marR="0" lvl="0" indent="0" algn="l" defTabSz="914400" rtl="0" eaLnBrk="0" fontAlgn="base" latinLnBrk="0" hangingPunct="0">
+              <a:lnSpc>
+                <a:spcPct val="100000"/>
+              </a:lnSpc>
+              <a:spcBef>
+                <a:spcPct val="0"/>
+              </a:spcBef>
+              <a:spcAft>
+                <a:spcPct val="0"/>
+              </a:spcAft>
+              <a:buClrTx/>
+              <a:buSzTx/>
+              <a:buFontTx/>
+              <a:buChar char="•"/>
+              <a:tabLst/>
+            </a:pPr>
+            <a:r>
+              <a:rPr kumimoji="0" lang="en-US" altLang="en-US" sz="1600" b="0" i="0" u="none" strike="noStrike" cap="none" normalizeH="0" baseline="0" dirty="0">
+                <a:ln>
+                  <a:noFill/>
+                </a:ln>
+                <a:solidFill>
+                  <a:schemeClr val="tx1"/>
+                </a:solidFill>
+                <a:effectLst/>
+                <a:latin typeface="Arial" panose="020B0604020202020204" pitchFamily="34" charset="0"/>
+              </a:rPr>
+              <a:t>Office Supplies dominated with the highest count (2.43K), followed by Furniture (0.84K) and Technology (0.77K).</a:t>
+            </a:r>
+          </a:p>
+          <a:p>
+            <a:pPr marL="0" marR="0" lvl="0" indent="0" algn="l" defTabSz="914400" rtl="0" eaLnBrk="0" fontAlgn="base" latinLnBrk="0" hangingPunct="0">
+              <a:lnSpc>
+                <a:spcPct val="100000"/>
+              </a:lnSpc>
+              <a:spcBef>
+                <a:spcPct val="0"/>
+              </a:spcBef>
+              <a:spcAft>
+                <a:spcPct val="0"/>
+              </a:spcAft>
+              <a:buClrTx/>
+              <a:buSzTx/>
+              <a:buFontTx/>
+              <a:buChar char="•"/>
+              <a:tabLst/>
+            </a:pPr>
+            <a:r>
+              <a:rPr kumimoji="0" lang="en-US" altLang="en-US" sz="1600" b="0" i="0" u="none" strike="noStrike" cap="none" normalizeH="0" baseline="0" dirty="0">
+                <a:ln>
+                  <a:noFill/>
+                </a:ln>
+                <a:solidFill>
+                  <a:schemeClr val="tx1"/>
+                </a:solidFill>
+                <a:effectLst/>
+                <a:latin typeface="Arial" panose="020B0604020202020204" pitchFamily="34" charset="0"/>
+              </a:rPr>
+              <a:t>This highlights Office Supplies as a major contributor to sales activity.</a:t>
+            </a:r>
+          </a:p>
+          <a:p>
+            <a:pPr marL="0" marR="0" lvl="0" indent="0" algn="l" defTabSz="914400" rtl="0" eaLnBrk="0" fontAlgn="base" latinLnBrk="0" hangingPunct="0">
+              <a:lnSpc>
+                <a:spcPct val="100000"/>
+              </a:lnSpc>
+              <a:spcBef>
+                <a:spcPct val="0"/>
+              </a:spcBef>
+              <a:spcAft>
+                <a:spcPct val="0"/>
+              </a:spcAft>
+              <a:buClrTx/>
+              <a:buSzTx/>
+              <a:buFontTx/>
+              <a:buChar char="•"/>
+              <a:tabLst/>
+            </a:pPr>
+            <a:r>
+              <a:rPr kumimoji="0" lang="en-US" altLang="en-US" sz="1600" b="1" i="0" u="none" strike="noStrike" cap="none" normalizeH="0" baseline="0" dirty="0">
+                <a:ln>
+                  <a:noFill/>
+                </a:ln>
+                <a:solidFill>
+                  <a:schemeClr val="tx1"/>
+                </a:solidFill>
+                <a:effectLst/>
+                <a:latin typeface="Arial" panose="020B0604020202020204" pitchFamily="34" charset="0"/>
+              </a:rPr>
+              <a:t>Geographical Sales Insights (Table)</a:t>
+            </a:r>
+            <a:endParaRPr kumimoji="0" lang="en-US" altLang="en-US" sz="1600" b="0" i="0" u="none" strike="noStrike" cap="none" normalizeH="0" baseline="0" dirty="0">
+              <a:ln>
+                <a:noFill/>
+              </a:ln>
+              <a:solidFill>
+                <a:schemeClr val="tx1"/>
+              </a:solidFill>
+              <a:effectLst/>
+              <a:latin typeface="Arial" panose="020B0604020202020204" pitchFamily="34" charset="0"/>
+            </a:endParaRPr>
+          </a:p>
+          <a:p>
+            <a:pPr marL="0" marR="0" lvl="0" indent="0" algn="l" defTabSz="914400" rtl="0" eaLnBrk="0" fontAlgn="base" latinLnBrk="0" hangingPunct="0">
+              <a:lnSpc>
+                <a:spcPct val="100000"/>
+              </a:lnSpc>
+              <a:spcBef>
+                <a:spcPct val="0"/>
+              </a:spcBef>
+              <a:spcAft>
+                <a:spcPct val="0"/>
+              </a:spcAft>
+              <a:buClrTx/>
+              <a:buSzTx/>
+              <a:buFontTx/>
+              <a:buChar char="•"/>
+              <a:tabLst/>
+            </a:pPr>
+            <a:r>
+              <a:rPr kumimoji="0" lang="en-US" altLang="en-US" sz="1600" b="1" i="0" u="none" strike="noStrike" cap="none" normalizeH="0" baseline="0" dirty="0">
+                <a:ln>
+                  <a:noFill/>
+                </a:ln>
+                <a:solidFill>
+                  <a:schemeClr val="tx1"/>
+                </a:solidFill>
+                <a:effectLst/>
+                <a:latin typeface="Arial" panose="020B0604020202020204" pitchFamily="34" charset="0"/>
+              </a:rPr>
+              <a:t>Interactivity (Filter by Year)</a:t>
+            </a:r>
+            <a:endParaRPr kumimoji="0" lang="en-US" altLang="en-US" sz="1600" b="0" i="0" u="none" strike="noStrike" cap="none" normalizeH="0" baseline="0" dirty="0">
+              <a:ln>
+                <a:noFill/>
+              </a:ln>
+              <a:solidFill>
+                <a:schemeClr val="tx1"/>
+              </a:solidFill>
+              <a:effectLst/>
+              <a:latin typeface="Arial" panose="020B0604020202020204" pitchFamily="34" charset="0"/>
+            </a:endParaRPr>
+          </a:p>
+        </p:txBody>
+      </p:sp>
+    </p:spTree>
+    <p:extLst>
+      <p:ext uri="{BB962C8B-B14F-4D97-AF65-F5344CB8AC3E}">
+        <p14:creationId xmlns:p14="http://schemas.microsoft.com/office/powerpoint/2010/main" val="4060581193"/>
+      </p:ext>
+    </p:extLst>
+  </p:cSld>
+  <p:clrMapOvr>
+    <a:masterClrMapping/>
+  </p:clrMapOvr>
+</p:sld>
+</file>
+
+<file path=ppt/slides/slide23.xml><?xml version="1.0" encoding="utf-8"?>
 <p:sld xmlns:a="http://schemas.openxmlformats.org/drawingml/2006/main" xmlns:r="http://schemas.openxmlformats.org/officeDocument/2006/relationships" xmlns:p="http://schemas.openxmlformats.org/presentationml/2006/main">
   <p:cSld>
     <p:spTree>
@@ -3972,7 +6545,7 @@
 </p:sld>
 </file>
 
-<file path=ppt/slides/slide15.xml><?xml version="1.0" encoding="utf-8"?>
+<file path=ppt/slides/slide24.xml><?xml version="1.0" encoding="utf-8"?>
 <p:sld xmlns:a="http://schemas.openxmlformats.org/drawingml/2006/main" xmlns:r="http://schemas.openxmlformats.org/officeDocument/2006/relationships" xmlns:p="http://schemas.openxmlformats.org/presentationml/2006/main">
   <p:cSld>
     <p:spTree>
@@ -4089,7 +6662,7 @@
 </p:sld>
 </file>
 
-<file path=ppt/slides/slide16.xml><?xml version="1.0" encoding="utf-8"?>
+<file path=ppt/slides/slide25.xml><?xml version="1.0" encoding="utf-8"?>
 <p:sld xmlns:a="http://schemas.openxmlformats.org/drawingml/2006/main" xmlns:r="http://schemas.openxmlformats.org/officeDocument/2006/relationships" xmlns:p="http://schemas.openxmlformats.org/presentationml/2006/main">
   <p:cSld>
     <p:spTree>
@@ -4197,96 +6770,6 @@
     <p:extLst>
       <p:ext uri="{BB962C8B-B14F-4D97-AF65-F5344CB8AC3E}">
         <p14:creationId xmlns:p14="http://schemas.microsoft.com/office/powerpoint/2010/main" val="2584724941"/>
-      </p:ext>
-    </p:extLst>
-  </p:cSld>
-  <p:clrMapOvr>
-    <a:masterClrMapping/>
-  </p:clrMapOvr>
-</p:sld>
-</file>
-
-<file path=ppt/slides/slide17.xml><?xml version="1.0" encoding="utf-8"?>
-<p:sld xmlns:a="http://schemas.openxmlformats.org/drawingml/2006/main" xmlns:r="http://schemas.openxmlformats.org/officeDocument/2006/relationships" xmlns:p="http://schemas.openxmlformats.org/presentationml/2006/main">
-  <p:cSld>
-    <p:spTree>
-      <p:nvGrpSpPr>
-        <p:cNvPr id="1" name=""/>
-        <p:cNvGrpSpPr/>
-        <p:nvPr/>
-      </p:nvGrpSpPr>
-      <p:grpSpPr>
-        <a:xfrm>
-          <a:off x="0" y="0"/>
-          <a:ext cx="0" cy="0"/>
-          <a:chOff x="0" y="0"/>
-          <a:chExt cx="0" cy="0"/>
-        </a:xfrm>
-      </p:grpSpPr>
-    </p:spTree>
-    <p:extLst>
-      <p:ext uri="{BB962C8B-B14F-4D97-AF65-F5344CB8AC3E}">
-        <p14:creationId xmlns:p14="http://schemas.microsoft.com/office/powerpoint/2010/main" val="2489219686"/>
-      </p:ext>
-    </p:extLst>
-  </p:cSld>
-  <p:clrMapOvr>
-    <a:masterClrMapping/>
-  </p:clrMapOvr>
-</p:sld>
-</file>
-
-<file path=ppt/slides/slide2.xml><?xml version="1.0" encoding="utf-8"?>
-<p:sld xmlns:a="http://schemas.openxmlformats.org/drawingml/2006/main" xmlns:r="http://schemas.openxmlformats.org/officeDocument/2006/relationships" xmlns:p="http://schemas.openxmlformats.org/presentationml/2006/main">
-  <p:cSld>
-    <p:spTree>
-      <p:nvGrpSpPr>
-        <p:cNvPr id="1" name=""/>
-        <p:cNvGrpSpPr/>
-        <p:nvPr/>
-      </p:nvGrpSpPr>
-      <p:grpSpPr>
-        <a:xfrm>
-          <a:off x="0" y="0"/>
-          <a:ext cx="0" cy="0"/>
-          <a:chOff x="0" y="0"/>
-          <a:chExt cx="0" cy="0"/>
-        </a:xfrm>
-      </p:grpSpPr>
-      <p:pic>
-        <p:nvPicPr>
-          <p:cNvPr id="5" name="Picture 4">
-            <a:extLst>
-              <a:ext uri="{FF2B5EF4-FFF2-40B4-BE49-F238E27FC236}">
-                <a16:creationId xmlns:a16="http://schemas.microsoft.com/office/drawing/2014/main" id="{80B2A6C3-585A-62E9-AE9E-1D59C9AA2F22}"/>
-              </a:ext>
-            </a:extLst>
-          </p:cNvPr>
-          <p:cNvPicPr>
-            <a:picLocks noChangeAspect="1"/>
-          </p:cNvPicPr>
-          <p:nvPr/>
-        </p:nvPicPr>
-        <p:blipFill>
-          <a:blip r:embed="rId2"/>
-          <a:stretch>
-            <a:fillRect/>
-          </a:stretch>
-        </p:blipFill>
-        <p:spPr>
-          <a:xfrm>
-            <a:off x="0" y="0"/>
-            <a:ext cx="12192000" cy="6858000"/>
-          </a:xfrm>
-          <a:prstGeom prst="rect">
-            <a:avLst/>
-          </a:prstGeom>
-        </p:spPr>
-      </p:pic>
-    </p:spTree>
-    <p:extLst>
-      <p:ext uri="{BB962C8B-B14F-4D97-AF65-F5344CB8AC3E}">
-        <p14:creationId xmlns:p14="http://schemas.microsoft.com/office/powerpoint/2010/main" val="1249308974"/>
       </p:ext>
     </p:extLst>
   </p:cSld>
@@ -4373,39 +6856,208 @@
           <a:chExt cx="0" cy="0"/>
         </a:xfrm>
       </p:grpSpPr>
-      <p:pic>
-        <p:nvPicPr>
-          <p:cNvPr id="5" name="Picture 4">
-            <a:extLst>
-              <a:ext uri="{FF2B5EF4-FFF2-40B4-BE49-F238E27FC236}">
-                <a16:creationId xmlns:a16="http://schemas.microsoft.com/office/drawing/2014/main" id="{073A7263-C15D-97A1-3E21-92FF55D94D4C}"/>
-              </a:ext>
-            </a:extLst>
-          </p:cNvPr>
-          <p:cNvPicPr>
-            <a:picLocks noChangeAspect="1"/>
-          </p:cNvPicPr>
+      <p:sp>
+        <p:nvSpPr>
+          <p:cNvPr id="4" name="TextBox 3">
+            <a:extLst>
+              <a:ext uri="{FF2B5EF4-FFF2-40B4-BE49-F238E27FC236}">
+                <a16:creationId xmlns:a16="http://schemas.microsoft.com/office/drawing/2014/main" id="{6868D759-0C23-DD46-DFCE-5C0B48BE5CDA}"/>
+              </a:ext>
+            </a:extLst>
+          </p:cNvPr>
+          <p:cNvSpPr txBox="1"/>
           <p:nvPr/>
-        </p:nvPicPr>
-        <p:blipFill>
-          <a:blip r:embed="rId2"/>
-          <a:srcRect t="1606" b="3123"/>
-          <a:stretch/>
-        </p:blipFill>
+        </p:nvSpPr>
         <p:spPr>
           <a:xfrm>
-            <a:off x="0" y="622169"/>
-            <a:ext cx="12192000" cy="5033914"/>
+            <a:off x="782425" y="622169"/>
+            <a:ext cx="2705493" cy="523220"/>
           </a:xfrm>
           <a:prstGeom prst="rect">
             <a:avLst/>
           </a:prstGeom>
+          <a:noFill/>
         </p:spPr>
-      </p:pic>
+        <p:txBody>
+          <a:bodyPr wrap="square" rtlCol="0">
+            <a:spAutoFit/>
+          </a:bodyPr>
+          <a:lstStyle/>
+          <a:p>
+            <a:r>
+              <a:rPr lang="en-IN" sz="2800" b="1" dirty="0"/>
+              <a:t>WHY POWER BI</a:t>
+            </a:r>
+          </a:p>
+        </p:txBody>
+      </p:sp>
+      <p:sp>
+        <p:nvSpPr>
+          <p:cNvPr id="5" name="TextBox 4">
+            <a:extLst>
+              <a:ext uri="{FF2B5EF4-FFF2-40B4-BE49-F238E27FC236}">
+                <a16:creationId xmlns:a16="http://schemas.microsoft.com/office/drawing/2014/main" id="{3ED05BC3-7133-BBED-1806-171435E83EA4}"/>
+              </a:ext>
+            </a:extLst>
+          </p:cNvPr>
+          <p:cNvSpPr txBox="1"/>
+          <p:nvPr/>
+        </p:nvSpPr>
+        <p:spPr>
+          <a:xfrm>
+            <a:off x="1508288" y="1611983"/>
+            <a:ext cx="4722829" cy="4204356"/>
+          </a:xfrm>
+          <a:prstGeom prst="rect">
+            <a:avLst/>
+          </a:prstGeom>
+          <a:noFill/>
+        </p:spPr>
+        <p:txBody>
+          <a:bodyPr wrap="square" rtlCol="0">
+            <a:spAutoFit/>
+          </a:bodyPr>
+          <a:lstStyle/>
+          <a:p>
+            <a:pPr marL="342900" indent="-342900">
+              <a:lnSpc>
+                <a:spcPct val="150000"/>
+              </a:lnSpc>
+              <a:buFont typeface="+mj-lt"/>
+              <a:buAutoNum type="arabicPeriod"/>
+            </a:pPr>
+            <a:r>
+              <a:rPr lang="en-US" b="1" dirty="0"/>
+              <a:t>Data Integration</a:t>
+            </a:r>
+          </a:p>
+          <a:p>
+            <a:pPr marL="342900" indent="-342900">
+              <a:lnSpc>
+                <a:spcPct val="150000"/>
+              </a:lnSpc>
+              <a:buFont typeface="+mj-lt"/>
+              <a:buAutoNum type="arabicPeriod"/>
+            </a:pPr>
+            <a:r>
+              <a:rPr lang="en-US" b="1" dirty="0"/>
+              <a:t>Predictive Analytics</a:t>
+            </a:r>
+          </a:p>
+          <a:p>
+            <a:pPr marL="342900" indent="-342900">
+              <a:lnSpc>
+                <a:spcPct val="150000"/>
+              </a:lnSpc>
+              <a:buFont typeface="+mj-lt"/>
+              <a:buAutoNum type="arabicPeriod"/>
+            </a:pPr>
+            <a:r>
+              <a:rPr lang="en-US" b="1" dirty="0"/>
+              <a:t>User-Friendly Interface</a:t>
+            </a:r>
+          </a:p>
+          <a:p>
+            <a:pPr marL="342900" indent="-342900">
+              <a:lnSpc>
+                <a:spcPct val="150000"/>
+              </a:lnSpc>
+              <a:buFont typeface="+mj-lt"/>
+              <a:buAutoNum type="arabicPeriod"/>
+            </a:pPr>
+            <a:r>
+              <a:rPr lang="en-US" b="1" dirty="0"/>
+              <a:t>Drag-and-Drop Features</a:t>
+            </a:r>
+          </a:p>
+          <a:p>
+            <a:pPr marL="342900" indent="-342900">
+              <a:lnSpc>
+                <a:spcPct val="150000"/>
+              </a:lnSpc>
+              <a:buFont typeface="+mj-lt"/>
+              <a:buAutoNum type="arabicPeriod"/>
+            </a:pPr>
+            <a:r>
+              <a:rPr lang="en-US" b="1" dirty="0"/>
+              <a:t>Time-Series Analysis6. Collaboration</a:t>
+            </a:r>
+            <a:endParaRPr lang="en-US" dirty="0"/>
+          </a:p>
+          <a:p>
+            <a:pPr marL="342900" indent="-342900">
+              <a:lnSpc>
+                <a:spcPct val="150000"/>
+              </a:lnSpc>
+              <a:buFont typeface="+mj-lt"/>
+              <a:buAutoNum type="arabicPeriod"/>
+            </a:pPr>
+            <a:r>
+              <a:rPr lang="en-US" b="1" dirty="0"/>
+              <a:t>Cost-Effectiveness</a:t>
+            </a:r>
+          </a:p>
+          <a:p>
+            <a:pPr marL="342900" indent="-342900">
+              <a:lnSpc>
+                <a:spcPct val="150000"/>
+              </a:lnSpc>
+              <a:buFont typeface="+mj-lt"/>
+              <a:buAutoNum type="arabicPeriod"/>
+            </a:pPr>
+            <a:r>
+              <a:rPr lang="en-US" b="1" dirty="0"/>
+              <a:t>Customization and Extensibility</a:t>
+            </a:r>
+          </a:p>
+          <a:p>
+            <a:pPr marL="342900" indent="-342900">
+              <a:lnSpc>
+                <a:spcPct val="150000"/>
+              </a:lnSpc>
+              <a:buFont typeface="+mj-lt"/>
+              <a:buAutoNum type="arabicPeriod"/>
+            </a:pPr>
+            <a:r>
+              <a:rPr lang="en-US" b="1" dirty="0"/>
+              <a:t>DAX (Data Analysis Expressions)</a:t>
+            </a:r>
+            <a:endParaRPr lang="en-US" dirty="0"/>
+          </a:p>
+          <a:p>
+            <a:pPr marL="342900" indent="-342900">
+              <a:lnSpc>
+                <a:spcPct val="150000"/>
+              </a:lnSpc>
+              <a:buFont typeface="+mj-lt"/>
+              <a:buAutoNum type="arabicPeriod"/>
+            </a:pPr>
+            <a:r>
+              <a:rPr lang="en-US" b="1" dirty="0"/>
+              <a:t>Custom Visuals</a:t>
+            </a:r>
+            <a:endParaRPr lang="en-US" dirty="0"/>
+          </a:p>
+          <a:p>
+            <a:pPr marL="342900" indent="-342900">
+              <a:lnSpc>
+                <a:spcPct val="150000"/>
+              </a:lnSpc>
+              <a:buFont typeface="+mj-lt"/>
+              <a:buAutoNum type="arabicPeriod"/>
+            </a:pPr>
+            <a:r>
+              <a:rPr lang="en-US" b="1" dirty="0"/>
+              <a:t>Scalability</a:t>
+            </a:r>
+            <a:endParaRPr lang="en-US" dirty="0"/>
+          </a:p>
+        </p:txBody>
+      </p:sp>
     </p:spTree>
     <p:extLst>
       <p:ext uri="{BB962C8B-B14F-4D97-AF65-F5344CB8AC3E}">
-        <p14:creationId xmlns:p14="http://schemas.microsoft.com/office/powerpoint/2010/main" val="592345804"/>
+        <p14:creationId xmlns:p14="http://schemas.microsoft.com/office/powerpoint/2010/main" val="4026435249"/>
       </p:ext>
     </p:extLst>
   </p:cSld>
@@ -4492,6 +7144,123 @@
           <a:chExt cx="0" cy="0"/>
         </a:xfrm>
       </p:grpSpPr>
+      <p:grpSp>
+        <p:nvGrpSpPr>
+          <p:cNvPr id="3" name="Group 2">
+            <a:extLst>
+              <a:ext uri="{FF2B5EF4-FFF2-40B4-BE49-F238E27FC236}">
+                <a16:creationId xmlns:a16="http://schemas.microsoft.com/office/drawing/2014/main" id="{F9F9F36F-ECBD-8CEB-FF52-032F563F18E1}"/>
+              </a:ext>
+            </a:extLst>
+          </p:cNvPr>
+          <p:cNvGrpSpPr/>
+          <p:nvPr/>
+        </p:nvGrpSpPr>
+        <p:grpSpPr>
+          <a:xfrm>
+            <a:off x="0" y="622169"/>
+            <a:ext cx="12192000" cy="5033914"/>
+            <a:chOff x="0" y="622169"/>
+            <a:chExt cx="12192000" cy="5033914"/>
+          </a:xfrm>
+        </p:grpSpPr>
+        <p:pic>
+          <p:nvPicPr>
+            <p:cNvPr id="5" name="Picture 4">
+              <a:extLst>
+                <a:ext uri="{FF2B5EF4-FFF2-40B4-BE49-F238E27FC236}">
+                  <a16:creationId xmlns:a16="http://schemas.microsoft.com/office/drawing/2014/main" id="{073A7263-C15D-97A1-3E21-92FF55D94D4C}"/>
+                </a:ext>
+              </a:extLst>
+            </p:cNvPr>
+            <p:cNvPicPr>
+              <a:picLocks noChangeAspect="1"/>
+            </p:cNvPicPr>
+            <p:nvPr/>
+          </p:nvPicPr>
+          <p:blipFill>
+            <a:blip r:embed="rId3"/>
+            <a:srcRect t="1606" b="3123"/>
+            <a:stretch/>
+          </p:blipFill>
+          <p:spPr>
+            <a:xfrm>
+              <a:off x="0" y="622169"/>
+              <a:ext cx="12192000" cy="5033914"/>
+            </a:xfrm>
+            <a:prstGeom prst="rect">
+              <a:avLst/>
+            </a:prstGeom>
+          </p:spPr>
+        </p:pic>
+        <p:sp>
+          <p:nvSpPr>
+            <p:cNvPr id="2" name="TextBox 1">
+              <a:extLst>
+                <a:ext uri="{FF2B5EF4-FFF2-40B4-BE49-F238E27FC236}">
+                  <a16:creationId xmlns:a16="http://schemas.microsoft.com/office/drawing/2014/main" id="{4B7F61E8-C02B-24B5-B27D-E6F19BF741EE}"/>
+                </a:ext>
+              </a:extLst>
+            </p:cNvPr>
+            <p:cNvSpPr txBox="1"/>
+            <p:nvPr/>
+          </p:nvSpPr>
+          <p:spPr>
+            <a:xfrm>
+              <a:off x="3149600" y="1498861"/>
+              <a:ext cx="6769100" cy="584775"/>
+            </a:xfrm>
+            <a:prstGeom prst="rect">
+              <a:avLst/>
+            </a:prstGeom>
+            <a:solidFill>
+              <a:srgbClr val="FFFFFF"/>
+            </a:solidFill>
+          </p:spPr>
+          <p:txBody>
+            <a:bodyPr wrap="square" rtlCol="0">
+              <a:spAutoFit/>
+            </a:bodyPr>
+            <a:lstStyle/>
+            <a:p>
+              <a:r>
+                <a:rPr lang="en-IN" sz="3200" b="1" dirty="0"/>
+                <a:t>POWER BI IMPLEMENTATION PHASES</a:t>
+              </a:r>
+            </a:p>
+          </p:txBody>
+        </p:sp>
+      </p:grpSp>
+    </p:spTree>
+    <p:extLst>
+      <p:ext uri="{BB962C8B-B14F-4D97-AF65-F5344CB8AC3E}">
+        <p14:creationId xmlns:p14="http://schemas.microsoft.com/office/powerpoint/2010/main" val="592345804"/>
+      </p:ext>
+    </p:extLst>
+  </p:cSld>
+  <p:clrMapOvr>
+    <a:masterClrMapping/>
+  </p:clrMapOvr>
+</p:sld>
+</file>
+
+<file path=ppt/slides/slide7.xml><?xml version="1.0" encoding="utf-8"?>
+<p:sld xmlns:a="http://schemas.openxmlformats.org/drawingml/2006/main" xmlns:r="http://schemas.openxmlformats.org/officeDocument/2006/relationships" xmlns:p="http://schemas.openxmlformats.org/presentationml/2006/main">
+  <p:cSld>
+    <p:spTree>
+      <p:nvGrpSpPr>
+        <p:cNvPr id="1" name=""/>
+        <p:cNvGrpSpPr/>
+        <p:nvPr/>
+      </p:nvGrpSpPr>
+      <p:grpSpPr>
+        <a:xfrm>
+          <a:off x="0" y="0"/>
+          <a:ext cx="0" cy="0"/>
+          <a:chOff x="0" y="0"/>
+          <a:chExt cx="0" cy="0"/>
+        </a:xfrm>
+      </p:grpSpPr>
       <p:pic>
         <p:nvPicPr>
           <p:cNvPr id="5" name="Picture 4">
@@ -4534,7 +7303,133 @@
 </p:sld>
 </file>
 
-<file path=ppt/slides/slide7.xml><?xml version="1.0" encoding="utf-8"?>
+<file path=ppt/slides/slide8.xml><?xml version="1.0" encoding="utf-8"?>
+<p:sld xmlns:a="http://schemas.openxmlformats.org/drawingml/2006/main" xmlns:r="http://schemas.openxmlformats.org/officeDocument/2006/relationships" xmlns:p="http://schemas.openxmlformats.org/presentationml/2006/main">
+  <p:cSld>
+    <p:spTree>
+      <p:nvGrpSpPr>
+        <p:cNvPr id="1" name=""/>
+        <p:cNvGrpSpPr/>
+        <p:nvPr/>
+      </p:nvGrpSpPr>
+      <p:grpSpPr>
+        <a:xfrm>
+          <a:off x="0" y="0"/>
+          <a:ext cx="0" cy="0"/>
+          <a:chOff x="0" y="0"/>
+          <a:chExt cx="0" cy="0"/>
+        </a:xfrm>
+      </p:grpSpPr>
+      <p:pic>
+        <p:nvPicPr>
+          <p:cNvPr id="5" name="Picture 4">
+            <a:extLst>
+              <a:ext uri="{FF2B5EF4-FFF2-40B4-BE49-F238E27FC236}">
+                <a16:creationId xmlns:a16="http://schemas.microsoft.com/office/drawing/2014/main" id="{EBB1A581-006D-7075-DF86-C874079D1B15}"/>
+              </a:ext>
+            </a:extLst>
+          </p:cNvPr>
+          <p:cNvPicPr>
+            <a:picLocks noChangeAspect="1"/>
+          </p:cNvPicPr>
+          <p:nvPr/>
+        </p:nvPicPr>
+        <p:blipFill>
+          <a:blip r:embed="rId2"/>
+          <a:stretch>
+            <a:fillRect/>
+          </a:stretch>
+        </p:blipFill>
+        <p:spPr>
+          <a:xfrm>
+            <a:off x="2209257" y="2142946"/>
+            <a:ext cx="7773485" cy="1286054"/>
+          </a:xfrm>
+          <a:prstGeom prst="rect">
+            <a:avLst/>
+          </a:prstGeom>
+        </p:spPr>
+      </p:pic>
+      <p:sp>
+        <p:nvSpPr>
+          <p:cNvPr id="6" name="TextBox 5">
+            <a:extLst>
+              <a:ext uri="{FF2B5EF4-FFF2-40B4-BE49-F238E27FC236}">
+                <a16:creationId xmlns:a16="http://schemas.microsoft.com/office/drawing/2014/main" id="{E184F000-607F-3AA9-D54C-6F7FE34931B4}"/>
+              </a:ext>
+            </a:extLst>
+          </p:cNvPr>
+          <p:cNvSpPr txBox="1"/>
+          <p:nvPr/>
+        </p:nvSpPr>
+        <p:spPr>
+          <a:xfrm>
+            <a:off x="1028157" y="914400"/>
+            <a:ext cx="1819344" cy="523220"/>
+          </a:xfrm>
+          <a:prstGeom prst="rect">
+            <a:avLst/>
+          </a:prstGeom>
+          <a:noFill/>
+        </p:spPr>
+        <p:txBody>
+          <a:bodyPr wrap="none" rtlCol="0">
+            <a:spAutoFit/>
+          </a:bodyPr>
+          <a:lstStyle/>
+          <a:p>
+            <a:r>
+              <a:rPr lang="en-IN" sz="2800" b="1" dirty="0"/>
+              <a:t>DAX Query</a:t>
+            </a:r>
+            <a:endParaRPr lang="en-IN" b="1" dirty="0"/>
+          </a:p>
+        </p:txBody>
+      </p:sp>
+      <p:pic>
+        <p:nvPicPr>
+          <p:cNvPr id="8" name="Picture 7">
+            <a:extLst>
+              <a:ext uri="{FF2B5EF4-FFF2-40B4-BE49-F238E27FC236}">
+                <a16:creationId xmlns:a16="http://schemas.microsoft.com/office/drawing/2014/main" id="{6A0D71FC-0BA7-CD27-FE7B-C5E4B1384942}"/>
+              </a:ext>
+            </a:extLst>
+          </p:cNvPr>
+          <p:cNvPicPr>
+            <a:picLocks noChangeAspect="1"/>
+          </p:cNvPicPr>
+          <p:nvPr/>
+        </p:nvPicPr>
+        <p:blipFill>
+          <a:blip r:embed="rId3"/>
+          <a:stretch>
+            <a:fillRect/>
+          </a:stretch>
+        </p:blipFill>
+        <p:spPr>
+          <a:xfrm>
+            <a:off x="2209257" y="4802136"/>
+            <a:ext cx="5934903" cy="733527"/>
+          </a:xfrm>
+          <a:prstGeom prst="rect">
+            <a:avLst/>
+          </a:prstGeom>
+        </p:spPr>
+      </p:pic>
+    </p:spTree>
+    <p:extLst>
+      <p:ext uri="{BB962C8B-B14F-4D97-AF65-F5344CB8AC3E}">
+        <p14:creationId xmlns:p14="http://schemas.microsoft.com/office/powerpoint/2010/main" val="2190043529"/>
+      </p:ext>
+    </p:extLst>
+  </p:cSld>
+  <p:clrMapOvr>
+    <a:masterClrMapping/>
+  </p:clrMapOvr>
+</p:sld>
+</file>
+
+<file path=ppt/slides/slide9.xml><?xml version="1.0" encoding="utf-8"?>
 <p:sld xmlns:a="http://schemas.openxmlformats.org/drawingml/2006/main" xmlns:r="http://schemas.openxmlformats.org/officeDocument/2006/relationships" xmlns:p="http://schemas.openxmlformats.org/presentationml/2006/main">
   <p:cSld>
     <p:spTree>
@@ -4637,242 +7532,6 @@
     <p:extLst>
       <p:ext uri="{BB962C8B-B14F-4D97-AF65-F5344CB8AC3E}">
         <p14:creationId xmlns:p14="http://schemas.microsoft.com/office/powerpoint/2010/main" val="2599611126"/>
-      </p:ext>
-    </p:extLst>
-  </p:cSld>
-  <p:clrMapOvr>
-    <a:masterClrMapping/>
-  </p:clrMapOvr>
-</p:sld>
-</file>
-
-<file path=ppt/slides/slide8.xml><?xml version="1.0" encoding="utf-8"?>
-<p:sld xmlns:a="http://schemas.openxmlformats.org/drawingml/2006/main" xmlns:r="http://schemas.openxmlformats.org/officeDocument/2006/relationships" xmlns:p="http://schemas.openxmlformats.org/presentationml/2006/main">
-  <p:cSld>
-    <p:spTree>
-      <p:nvGrpSpPr>
-        <p:cNvPr id="1" name="">
-          <a:extLst>
-            <a:ext uri="{FF2B5EF4-FFF2-40B4-BE49-F238E27FC236}">
-              <a16:creationId xmlns:a16="http://schemas.microsoft.com/office/drawing/2014/main" id="{64E4630A-E23A-BC37-6377-27F0ADF6E044}"/>
-            </a:ext>
-          </a:extLst>
-        </p:cNvPr>
-        <p:cNvGrpSpPr/>
-        <p:nvPr/>
-      </p:nvGrpSpPr>
-      <p:grpSpPr>
-        <a:xfrm>
-          <a:off x="0" y="0"/>
-          <a:ext cx="0" cy="0"/>
-          <a:chOff x="0" y="0"/>
-          <a:chExt cx="0" cy="0"/>
-        </a:xfrm>
-      </p:grpSpPr>
-      <p:sp>
-        <p:nvSpPr>
-          <p:cNvPr id="6" name="Rectangle 5">
-            <a:extLst>
-              <a:ext uri="{FF2B5EF4-FFF2-40B4-BE49-F238E27FC236}">
-                <a16:creationId xmlns:a16="http://schemas.microsoft.com/office/drawing/2014/main" id="{91EACE7B-733B-D8E9-78F1-6F00F251E4A2}"/>
-              </a:ext>
-            </a:extLst>
-          </p:cNvPr>
-          <p:cNvSpPr/>
-          <p:nvPr/>
-        </p:nvSpPr>
-        <p:spPr>
-          <a:xfrm>
-            <a:off x="0" y="0"/>
-            <a:ext cx="12192000" cy="6858000"/>
-          </a:xfrm>
-          <a:prstGeom prst="rect">
-            <a:avLst/>
-          </a:prstGeom>
-          <a:solidFill>
-            <a:srgbClr val="F8F8F8"/>
-          </a:solidFill>
-          <a:ln>
-            <a:noFill/>
-          </a:ln>
-        </p:spPr>
-        <p:style>
-          <a:lnRef idx="2">
-            <a:schemeClr val="accent1">
-              <a:shade val="15000"/>
-            </a:schemeClr>
-          </a:lnRef>
-          <a:fillRef idx="1">
-            <a:schemeClr val="accent1"/>
-          </a:fillRef>
-          <a:effectRef idx="0">
-            <a:schemeClr val="accent1"/>
-          </a:effectRef>
-          <a:fontRef idx="minor">
-            <a:schemeClr val="lt1"/>
-          </a:fontRef>
-        </p:style>
-        <p:txBody>
-          <a:bodyPr rtlCol="0" anchor="ctr"/>
-          <a:lstStyle/>
-          <a:p>
-            <a:pPr algn="ctr"/>
-            <a:endParaRPr lang="en-IN" dirty="0"/>
-          </a:p>
-        </p:txBody>
-      </p:sp>
-      <p:pic>
-        <p:nvPicPr>
-          <p:cNvPr id="3" name="Picture 2">
-            <a:extLst>
-              <a:ext uri="{FF2B5EF4-FFF2-40B4-BE49-F238E27FC236}">
-                <a16:creationId xmlns:a16="http://schemas.microsoft.com/office/drawing/2014/main" id="{04C23F92-8DA7-7CD7-B966-17D68B3A4D45}"/>
-              </a:ext>
-            </a:extLst>
-          </p:cNvPr>
-          <p:cNvPicPr>
-            <a:picLocks noChangeAspect="1"/>
-          </p:cNvPicPr>
-          <p:nvPr/>
-        </p:nvPicPr>
-        <p:blipFill>
-          <a:blip r:embed="rId2"/>
-          <a:stretch>
-            <a:fillRect/>
-          </a:stretch>
-        </p:blipFill>
-        <p:spPr>
-          <a:xfrm>
-            <a:off x="0" y="637490"/>
-            <a:ext cx="12192000" cy="5583019"/>
-          </a:xfrm>
-          <a:prstGeom prst="rect">
-            <a:avLst/>
-          </a:prstGeom>
-        </p:spPr>
-      </p:pic>
-    </p:spTree>
-    <p:extLst>
-      <p:ext uri="{BB962C8B-B14F-4D97-AF65-F5344CB8AC3E}">
-        <p14:creationId xmlns:p14="http://schemas.microsoft.com/office/powerpoint/2010/main" val="596987200"/>
-      </p:ext>
-    </p:extLst>
-  </p:cSld>
-  <p:clrMapOvr>
-    <a:masterClrMapping/>
-  </p:clrMapOvr>
-</p:sld>
-</file>
-
-<file path=ppt/slides/slide9.xml><?xml version="1.0" encoding="utf-8"?>
-<p:sld xmlns:a="http://schemas.openxmlformats.org/drawingml/2006/main" xmlns:r="http://schemas.openxmlformats.org/officeDocument/2006/relationships" xmlns:p="http://schemas.openxmlformats.org/presentationml/2006/main">
-  <p:cSld>
-    <p:spTree>
-      <p:nvGrpSpPr>
-        <p:cNvPr id="1" name="">
-          <a:extLst>
-            <a:ext uri="{FF2B5EF4-FFF2-40B4-BE49-F238E27FC236}">
-              <a16:creationId xmlns:a16="http://schemas.microsoft.com/office/drawing/2014/main" id="{F5A90730-B8DD-7FDD-C0BE-0E45FD7868BE}"/>
-            </a:ext>
-          </a:extLst>
-        </p:cNvPr>
-        <p:cNvGrpSpPr/>
-        <p:nvPr/>
-      </p:nvGrpSpPr>
-      <p:grpSpPr>
-        <a:xfrm>
-          <a:off x="0" y="0"/>
-          <a:ext cx="0" cy="0"/>
-          <a:chOff x="0" y="0"/>
-          <a:chExt cx="0" cy="0"/>
-        </a:xfrm>
-      </p:grpSpPr>
-      <p:sp>
-        <p:nvSpPr>
-          <p:cNvPr id="6" name="Rectangle 5">
-            <a:extLst>
-              <a:ext uri="{FF2B5EF4-FFF2-40B4-BE49-F238E27FC236}">
-                <a16:creationId xmlns:a16="http://schemas.microsoft.com/office/drawing/2014/main" id="{06AF0423-39AC-8CF4-1BD0-5B2968220AE2}"/>
-              </a:ext>
-            </a:extLst>
-          </p:cNvPr>
-          <p:cNvSpPr/>
-          <p:nvPr/>
-        </p:nvSpPr>
-        <p:spPr>
-          <a:xfrm>
-            <a:off x="0" y="0"/>
-            <a:ext cx="12192000" cy="6858000"/>
-          </a:xfrm>
-          <a:prstGeom prst="rect">
-            <a:avLst/>
-          </a:prstGeom>
-          <a:solidFill>
-            <a:srgbClr val="F8F8F8"/>
-          </a:solidFill>
-          <a:ln>
-            <a:noFill/>
-          </a:ln>
-        </p:spPr>
-        <p:style>
-          <a:lnRef idx="2">
-            <a:schemeClr val="accent1">
-              <a:shade val="15000"/>
-            </a:schemeClr>
-          </a:lnRef>
-          <a:fillRef idx="1">
-            <a:schemeClr val="accent1"/>
-          </a:fillRef>
-          <a:effectRef idx="0">
-            <a:schemeClr val="accent1"/>
-          </a:effectRef>
-          <a:fontRef idx="minor">
-            <a:schemeClr val="lt1"/>
-          </a:fontRef>
-        </p:style>
-        <p:txBody>
-          <a:bodyPr rtlCol="0" anchor="ctr"/>
-          <a:lstStyle/>
-          <a:p>
-            <a:pPr algn="ctr"/>
-            <a:endParaRPr lang="en-IN"/>
-          </a:p>
-        </p:txBody>
-      </p:sp>
-      <p:pic>
-        <p:nvPicPr>
-          <p:cNvPr id="3" name="Picture 2">
-            <a:extLst>
-              <a:ext uri="{FF2B5EF4-FFF2-40B4-BE49-F238E27FC236}">
-                <a16:creationId xmlns:a16="http://schemas.microsoft.com/office/drawing/2014/main" id="{D94A8557-A078-1344-3673-10F3FF7786D4}"/>
-              </a:ext>
-            </a:extLst>
-          </p:cNvPr>
-          <p:cNvPicPr>
-            <a:picLocks noChangeAspect="1"/>
-          </p:cNvPicPr>
-          <p:nvPr/>
-        </p:nvPicPr>
-        <p:blipFill>
-          <a:blip r:embed="rId2"/>
-          <a:stretch>
-            <a:fillRect/>
-          </a:stretch>
-        </p:blipFill>
-        <p:spPr>
-          <a:xfrm>
-            <a:off x="0" y="438256"/>
-            <a:ext cx="12192000" cy="5981487"/>
-          </a:xfrm>
-          <a:prstGeom prst="rect">
-            <a:avLst/>
-          </a:prstGeom>
-        </p:spPr>
-      </p:pic>
-    </p:spTree>
-    <p:extLst>
-      <p:ext uri="{BB962C8B-B14F-4D97-AF65-F5344CB8AC3E}">
-        <p14:creationId xmlns:p14="http://schemas.microsoft.com/office/powerpoint/2010/main" val="1088274681"/>
       </p:ext>
     </p:extLst>
   </p:cSld>
@@ -5175,4 +7834,299 @@
     </a:ext>
   </a:extLst>
 </a:theme>
+</file>
+
+<file path=ppt/theme/theme2.xml><?xml version="1.0" encoding="utf-8"?>
+<a:theme xmlns:a="http://schemas.openxmlformats.org/drawingml/2006/main" name="Office Theme">
+  <a:themeElements>
+    <a:clrScheme name="Office">
+      <a:dk1>
+        <a:sysClr val="windowText" lastClr="000000"/>
+      </a:dk1>
+      <a:lt1>
+        <a:sysClr val="window" lastClr="FFFFFF"/>
+      </a:lt1>
+      <a:dk2>
+        <a:srgbClr val="44546A"/>
+      </a:dk2>
+      <a:lt2>
+        <a:srgbClr val="E7E6E6"/>
+      </a:lt2>
+      <a:accent1>
+        <a:srgbClr val="4472C4"/>
+      </a:accent1>
+      <a:accent2>
+        <a:srgbClr val="ED7D31"/>
+      </a:accent2>
+      <a:accent3>
+        <a:srgbClr val="A5A5A5"/>
+      </a:accent3>
+      <a:accent4>
+        <a:srgbClr val="FFC000"/>
+      </a:accent4>
+      <a:accent5>
+        <a:srgbClr val="5B9BD5"/>
+      </a:accent5>
+      <a:accent6>
+        <a:srgbClr val="70AD47"/>
+      </a:accent6>
+      <a:hlink>
+        <a:srgbClr val="0563C1"/>
+      </a:hlink>
+      <a:folHlink>
+        <a:srgbClr val="954F72"/>
+      </a:folHlink>
+    </a:clrScheme>
+    <a:fontScheme name="Office">
+      <a:majorFont>
+        <a:latin typeface="Calibri Light" panose="020F0302020204030204"/>
+        <a:ea typeface=""/>
+        <a:cs typeface=""/>
+        <a:font script="Jpan" typeface="游ゴシック Light"/>
+        <a:font script="Hang" typeface="맑은 고딕"/>
+        <a:font script="Hans" typeface="等线 Light"/>
+        <a:font script="Hant" typeface="新細明體"/>
+        <a:font script="Arab" typeface="Times New Roman"/>
+        <a:font script="Hebr" typeface="Times New Roman"/>
+        <a:font script="Thai" typeface="Angsana New"/>
+        <a:font script="Ethi" typeface="Nyala"/>
+        <a:font script="Beng" typeface="Vrinda"/>
+        <a:font script="Gujr" typeface="Shruti"/>
+        <a:font script="Khmr" typeface="MoolBoran"/>
+        <a:font script="Knda" typeface="Tunga"/>
+        <a:font script="Guru" typeface="Raavi"/>
+        <a:font script="Cans" typeface="Euphemia"/>
+        <a:font script="Cher" typeface="Plantagenet Cherokee"/>
+        <a:font script="Yiii" typeface="Microsoft Yi Baiti"/>
+        <a:font script="Tibt" typeface="Microsoft Himalaya"/>
+        <a:font script="Thaa" typeface="MV Boli"/>
+        <a:font script="Deva" typeface="Mangal"/>
+        <a:font script="Telu" typeface="Gautami"/>
+        <a:font script="Taml" typeface="Latha"/>
+        <a:font script="Syrc" typeface="Estrangelo Edessa"/>
+        <a:font script="Orya" typeface="Kalinga"/>
+        <a:font script="Mlym" typeface="Kartika"/>
+        <a:font script="Laoo" typeface="DokChampa"/>
+        <a:font script="Sinh" typeface="Iskoola Pota"/>
+        <a:font script="Mong" typeface="Mongolian Baiti"/>
+        <a:font script="Viet" typeface="Times New Roman"/>
+        <a:font script="Uigh" typeface="Microsoft Uighur"/>
+        <a:font script="Geor" typeface="Sylfaen"/>
+        <a:font script="Armn" typeface="Arial"/>
+        <a:font script="Bugi" typeface="Leelawadee UI"/>
+        <a:font script="Bopo" typeface="Microsoft JhengHei"/>
+        <a:font script="Java" typeface="Javanese Text"/>
+        <a:font script="Lisu" typeface="Segoe UI"/>
+        <a:font script="Mymr" typeface="Myanmar Text"/>
+        <a:font script="Nkoo" typeface="Ebrima"/>
+        <a:font script="Olck" typeface="Nirmala UI"/>
+        <a:font script="Osma" typeface="Ebrima"/>
+        <a:font script="Phag" typeface="Phagspa"/>
+        <a:font script="Syrn" typeface="Estrangelo Edessa"/>
+        <a:font script="Syrj" typeface="Estrangelo Edessa"/>
+        <a:font script="Syre" typeface="Estrangelo Edessa"/>
+        <a:font script="Sora" typeface="Nirmala UI"/>
+        <a:font script="Tale" typeface="Microsoft Tai Le"/>
+        <a:font script="Talu" typeface="Microsoft New Tai Lue"/>
+        <a:font script="Tfng" typeface="Ebrima"/>
+      </a:majorFont>
+      <a:minorFont>
+        <a:latin typeface="Calibri" panose="020F0502020204030204"/>
+        <a:ea typeface=""/>
+        <a:cs typeface=""/>
+        <a:font script="Jpan" typeface="游ゴシック"/>
+        <a:font script="Hang" typeface="맑은 고딕"/>
+        <a:font script="Hans" typeface="等线"/>
+        <a:font script="Hant" typeface="新細明體"/>
+        <a:font script="Arab" typeface="Arial"/>
+        <a:font script="Hebr" typeface="Arial"/>
+        <a:font script="Thai" typeface="Cordia New"/>
+        <a:font script="Ethi" typeface="Nyala"/>
+        <a:font script="Beng" typeface="Vrinda"/>
+        <a:font script="Gujr" typeface="Shruti"/>
+        <a:font script="Khmr" typeface="DaunPenh"/>
+        <a:font script="Knda" typeface="Tunga"/>
+        <a:font script="Guru" typeface="Raavi"/>
+        <a:font script="Cans" typeface="Euphemia"/>
+        <a:font script="Cher" typeface="Plantagenet Cherokee"/>
+        <a:font script="Yiii" typeface="Microsoft Yi Baiti"/>
+        <a:font script="Tibt" typeface="Microsoft Himalaya"/>
+        <a:font script="Thaa" typeface="MV Boli"/>
+        <a:font script="Deva" typeface="Mangal"/>
+        <a:font script="Telu" typeface="Gautami"/>
+        <a:font script="Taml" typeface="Latha"/>
+        <a:font script="Syrc" typeface="Estrangelo Edessa"/>
+        <a:font script="Orya" typeface="Kalinga"/>
+        <a:font script="Mlym" typeface="Kartika"/>
+        <a:font script="Laoo" typeface="DokChampa"/>
+        <a:font script="Sinh" typeface="Iskoola Pota"/>
+        <a:font script="Mong" typeface="Mongolian Baiti"/>
+        <a:font script="Viet" typeface="Arial"/>
+        <a:font script="Uigh" typeface="Microsoft Uighur"/>
+        <a:font script="Geor" typeface="Sylfaen"/>
+        <a:font script="Armn" typeface="Arial"/>
+        <a:font script="Bugi" typeface="Leelawadee UI"/>
+        <a:font script="Bopo" typeface="Microsoft JhengHei"/>
+        <a:font script="Java" typeface="Javanese Text"/>
+        <a:font script="Lisu" typeface="Segoe UI"/>
+        <a:font script="Mymr" typeface="Myanmar Text"/>
+        <a:font script="Nkoo" typeface="Ebrima"/>
+        <a:font script="Olck" typeface="Nirmala UI"/>
+        <a:font script="Osma" typeface="Ebrima"/>
+        <a:font script="Phag" typeface="Phagspa"/>
+        <a:font script="Syrn" typeface="Estrangelo Edessa"/>
+        <a:font script="Syrj" typeface="Estrangelo Edessa"/>
+        <a:font script="Syre" typeface="Estrangelo Edessa"/>
+        <a:font script="Sora" typeface="Nirmala UI"/>
+        <a:font script="Tale" typeface="Microsoft Tai Le"/>
+        <a:font script="Talu" typeface="Microsoft New Tai Lue"/>
+        <a:font script="Tfng" typeface="Ebrima"/>
+      </a:minorFont>
+    </a:fontScheme>
+    <a:fmtScheme name="Office">
+      <a:fillStyleLst>
+        <a:solidFill>
+          <a:schemeClr val="phClr"/>
+        </a:solidFill>
+        <a:gradFill rotWithShape="1">
+          <a:gsLst>
+            <a:gs pos="0">
+              <a:schemeClr val="phClr">
+                <a:lumMod val="110000"/>
+                <a:satMod val="105000"/>
+                <a:tint val="67000"/>
+              </a:schemeClr>
+            </a:gs>
+            <a:gs pos="50000">
+              <a:schemeClr val="phClr">
+                <a:lumMod val="105000"/>
+                <a:satMod val="103000"/>
+                <a:tint val="73000"/>
+              </a:schemeClr>
+            </a:gs>
+            <a:gs pos="100000">
+              <a:schemeClr val="phClr">
+                <a:lumMod val="105000"/>
+                <a:satMod val="109000"/>
+                <a:tint val="81000"/>
+              </a:schemeClr>
+            </a:gs>
+          </a:gsLst>
+          <a:lin ang="5400000" scaled="0"/>
+        </a:gradFill>
+        <a:gradFill rotWithShape="1">
+          <a:gsLst>
+            <a:gs pos="0">
+              <a:schemeClr val="phClr">
+                <a:satMod val="103000"/>
+                <a:lumMod val="102000"/>
+                <a:tint val="94000"/>
+              </a:schemeClr>
+            </a:gs>
+            <a:gs pos="50000">
+              <a:schemeClr val="phClr">
+                <a:satMod val="110000"/>
+                <a:lumMod val="100000"/>
+                <a:shade val="100000"/>
+              </a:schemeClr>
+            </a:gs>
+            <a:gs pos="100000">
+              <a:schemeClr val="phClr">
+                <a:lumMod val="99000"/>
+                <a:satMod val="120000"/>
+                <a:shade val="78000"/>
+              </a:schemeClr>
+            </a:gs>
+          </a:gsLst>
+          <a:lin ang="5400000" scaled="0"/>
+        </a:gradFill>
+      </a:fillStyleLst>
+      <a:lnStyleLst>
+        <a:ln w="6350" cap="flat" cmpd="sng" algn="ctr">
+          <a:solidFill>
+            <a:schemeClr val="phClr"/>
+          </a:solidFill>
+          <a:prstDash val="solid"/>
+          <a:miter lim="800000"/>
+        </a:ln>
+        <a:ln w="12700" cap="flat" cmpd="sng" algn="ctr">
+          <a:solidFill>
+            <a:schemeClr val="phClr"/>
+          </a:solidFill>
+          <a:prstDash val="solid"/>
+          <a:miter lim="800000"/>
+        </a:ln>
+        <a:ln w="19050" cap="flat" cmpd="sng" algn="ctr">
+          <a:solidFill>
+            <a:schemeClr val="phClr"/>
+          </a:solidFill>
+          <a:prstDash val="solid"/>
+          <a:miter lim="800000"/>
+        </a:ln>
+      </a:lnStyleLst>
+      <a:effectStyleLst>
+        <a:effectStyle>
+          <a:effectLst/>
+        </a:effectStyle>
+        <a:effectStyle>
+          <a:effectLst/>
+        </a:effectStyle>
+        <a:effectStyle>
+          <a:effectLst>
+            <a:outerShdw blurRad="57150" dist="19050" dir="5400000" algn="ctr" rotWithShape="0">
+              <a:srgbClr val="000000">
+                <a:alpha val="63000"/>
+              </a:srgbClr>
+            </a:outerShdw>
+          </a:effectLst>
+        </a:effectStyle>
+      </a:effectStyleLst>
+      <a:bgFillStyleLst>
+        <a:solidFill>
+          <a:schemeClr val="phClr"/>
+        </a:solidFill>
+        <a:solidFill>
+          <a:schemeClr val="phClr">
+            <a:tint val="95000"/>
+            <a:satMod val="170000"/>
+          </a:schemeClr>
+        </a:solidFill>
+        <a:gradFill rotWithShape="1">
+          <a:gsLst>
+            <a:gs pos="0">
+              <a:schemeClr val="phClr">
+                <a:tint val="93000"/>
+                <a:satMod val="150000"/>
+                <a:shade val="98000"/>
+                <a:lumMod val="102000"/>
+              </a:schemeClr>
+            </a:gs>
+            <a:gs pos="50000">
+              <a:schemeClr val="phClr">
+                <a:tint val="98000"/>
+                <a:satMod val="130000"/>
+                <a:shade val="90000"/>
+                <a:lumMod val="103000"/>
+              </a:schemeClr>
+            </a:gs>
+            <a:gs pos="100000">
+              <a:schemeClr val="phClr">
+                <a:shade val="63000"/>
+                <a:satMod val="120000"/>
+              </a:schemeClr>
+            </a:gs>
+          </a:gsLst>
+          <a:lin ang="5400000" scaled="0"/>
+        </a:gradFill>
+      </a:bgFillStyleLst>
+    </a:fmtScheme>
+  </a:themeElements>
+  <a:objectDefaults/>
+  <a:extraClrSchemeLst/>
+  <a:extLst>
+    <a:ext uri="{05A4C25C-085E-4340-85A3-A5531E510DB2}">
+      <thm15:themeFamily xmlns:thm15="http://schemas.microsoft.com/office/thememl/2012/main" name="Office Theme" id="{62F939B6-93AF-4DB8-9C6B-D6C7DFDC589F}" vid="{4A3C46E8-61CC-4603-A589-7422A47A8E4A}"/>
+    </a:ext>
+  </a:extLst>
+</a:theme>
 </file>